--- a/05.Other/Document/モレ子プロジェクト.pptx
+++ b/05.Other/Document/モレ子プロジェクト.pptx
@@ -6,6 +6,9 @@
   </p:sldMasterIdLst>
   <p:sldIdLst>
     <p:sldId id="256" r:id="rId2"/>
+    <p:sldId id="257" r:id="rId3"/>
+    <p:sldId id="258" r:id="rId4"/>
+    <p:sldId id="259" r:id="rId5"/>
   </p:sldIdLst>
   <p:sldSz cx="9144000" cy="6858000" type="screen4x3"/>
   <p:notesSz cx="6858000" cy="9144000"/>
@@ -3405,7 +3408,7 @@
           <a:p>
             <a:r>
               <a:rPr lang="ja-JP" altLang="en-US" smtClean="0"/>
-              <a:t>モレ子プロジェクト</a:t>
+              <a:t>モア子プロジェクト</a:t>
             </a:r>
             <a:endParaRPr kumimoji="1" lang="ja-JP" altLang="en-US"/>
           </a:p>
@@ -3435,7 +3438,11 @@
           <a:p>
             <a:r>
               <a:rPr kumimoji="1" lang="en-US" altLang="ja-JP" smtClean="0"/>
-              <a:t>MoreCo Team 2016</a:t>
+              <a:t>MoreCo </a:t>
+            </a:r>
+            <a:r>
+              <a:rPr kumimoji="1" lang="en-US" altLang="ja-JP" smtClean="0"/>
+              <a:t>Team</a:t>
             </a:r>
             <a:endParaRPr kumimoji="1" lang="ja-JP" altLang="en-US"/>
           </a:p>
@@ -3481,6 +3488,625 @@
   <p:clrMapOvr>
     <a:masterClrMapping/>
   </p:clrMapOvr>
+  <p:timing>
+    <p:tnLst>
+      <p:par>
+        <p:cTn id="1" dur="indefinite" restart="never" nodeType="tmRoot"/>
+      </p:par>
+    </p:tnLst>
+  </p:timing>
+</p:sld>
+</file>
+
+<file path=ppt/slides/slide2.xml><?xml version="1.0" encoding="utf-8"?>
+<p:sld xmlns:a="http://schemas.openxmlformats.org/drawingml/2006/main" xmlns:r="http://schemas.openxmlformats.org/officeDocument/2006/relationships" xmlns:p="http://schemas.openxmlformats.org/presentationml/2006/main">
+  <p:cSld>
+    <p:spTree>
+      <p:nvGrpSpPr>
+        <p:cNvPr id="1" name=""/>
+        <p:cNvGrpSpPr/>
+        <p:nvPr/>
+      </p:nvGrpSpPr>
+      <p:grpSpPr>
+        <a:xfrm>
+          <a:off x="0" y="0"/>
+          <a:ext cx="0" cy="0"/>
+          <a:chOff x="0" y="0"/>
+          <a:chExt cx="0" cy="0"/>
+        </a:xfrm>
+      </p:grpSpPr>
+      <p:sp>
+        <p:nvSpPr>
+          <p:cNvPr id="2" name="タイトル 1"/>
+          <p:cNvSpPr>
+            <a:spLocks noGrp="1"/>
+          </p:cNvSpPr>
+          <p:nvPr>
+            <p:ph type="title"/>
+          </p:nvPr>
+        </p:nvSpPr>
+        <p:spPr/>
+        <p:txBody>
+          <a:bodyPr/>
+          <a:lstStyle/>
+          <a:p>
+            <a:r>
+              <a:rPr lang="ja-JP" altLang="en-US" smtClean="0"/>
+              <a:t>目次</a:t>
+            </a:r>
+            <a:endParaRPr kumimoji="1" lang="ja-JP" altLang="en-US"/>
+          </a:p>
+        </p:txBody>
+      </p:sp>
+      <p:sp>
+        <p:nvSpPr>
+          <p:cNvPr id="3" name="コンテンツ プレースホルダー 2"/>
+          <p:cNvSpPr>
+            <a:spLocks noGrp="1"/>
+          </p:cNvSpPr>
+          <p:nvPr>
+            <p:ph idx="1"/>
+          </p:nvPr>
+        </p:nvSpPr>
+        <p:spPr/>
+        <p:txBody>
+          <a:bodyPr/>
+          <a:lstStyle/>
+          <a:p>
+            <a:r>
+              <a:rPr lang="ja-JP" altLang="en-US" smtClean="0"/>
+              <a:t>多言語コミュニケーション</a:t>
+            </a:r>
+            <a:endParaRPr lang="en-US" altLang="ja-JP" smtClean="0"/>
+          </a:p>
+          <a:p>
+            <a:pPr lvl="1"/>
+            <a:r>
+              <a:rPr kumimoji="1" lang="ja-JP" altLang="en-US" smtClean="0"/>
+              <a:t>訪日旅行者と日本人とのコミュニケーション</a:t>
+            </a:r>
+            <a:r>
+              <a:rPr kumimoji="1" lang="en-US" altLang="ja-JP" smtClean="0"/>
+              <a:t/>
+            </a:r>
+            <a:br>
+              <a:rPr kumimoji="1" lang="en-US" altLang="ja-JP" smtClean="0"/>
+            </a:br>
+            <a:r>
+              <a:rPr kumimoji="1" lang="ja-JP" altLang="en-US" smtClean="0"/>
+              <a:t>という</a:t>
+            </a:r>
+            <a:r>
+              <a:rPr lang="ja-JP" altLang="en-US"/>
+              <a:t>課題</a:t>
+            </a:r>
+            <a:endParaRPr kumimoji="1" lang="en-US" altLang="ja-JP" smtClean="0"/>
+          </a:p>
+          <a:p>
+            <a:pPr lvl="1"/>
+            <a:r>
+              <a:rPr lang="ja-JP" altLang="en-US" smtClean="0"/>
+              <a:t>システム機能と構成</a:t>
+            </a:r>
+            <a:endParaRPr kumimoji="1" lang="en-US" altLang="ja-JP" smtClean="0"/>
+          </a:p>
+          <a:p>
+            <a:r>
+              <a:rPr lang="ja-JP" altLang="en-US" smtClean="0"/>
+              <a:t>新コミュニケーション手法</a:t>
+            </a:r>
+            <a:endParaRPr lang="en-US" altLang="ja-JP" smtClean="0"/>
+          </a:p>
+          <a:p>
+            <a:pPr lvl="1"/>
+            <a:r>
+              <a:rPr lang="ja-JP" altLang="en-US" smtClean="0"/>
+              <a:t>コンセプト</a:t>
+            </a:r>
+            <a:endParaRPr lang="en-US" altLang="ja-JP" smtClean="0"/>
+          </a:p>
+          <a:p>
+            <a:pPr lvl="1"/>
+            <a:r>
+              <a:rPr lang="ja-JP" altLang="en-US" smtClean="0"/>
+              <a:t>特徴</a:t>
+            </a:r>
+            <a:endParaRPr lang="en-US" altLang="ja-JP" smtClean="0"/>
+          </a:p>
+        </p:txBody>
+      </p:sp>
+    </p:spTree>
+    <p:extLst>
+      <p:ext uri="{BB962C8B-B14F-4D97-AF65-F5344CB8AC3E}">
+        <p14:creationId xmlns:p14="http://schemas.microsoft.com/office/powerpoint/2010/main" val="1942803149"/>
+      </p:ext>
+    </p:extLst>
+  </p:cSld>
+  <p:clrMapOvr>
+    <a:masterClrMapping/>
+  </p:clrMapOvr>
+  <p:timing>
+    <p:tnLst>
+      <p:par>
+        <p:cTn id="1" dur="indefinite" restart="never" nodeType="tmRoot"/>
+      </p:par>
+    </p:tnLst>
+  </p:timing>
+</p:sld>
+</file>
+
+<file path=ppt/slides/slide3.xml><?xml version="1.0" encoding="utf-8"?>
+<p:sld xmlns:a="http://schemas.openxmlformats.org/drawingml/2006/main" xmlns:r="http://schemas.openxmlformats.org/officeDocument/2006/relationships" xmlns:p="http://schemas.openxmlformats.org/presentationml/2006/main">
+  <p:cSld>
+    <p:spTree>
+      <p:nvGrpSpPr>
+        <p:cNvPr id="1" name=""/>
+        <p:cNvGrpSpPr/>
+        <p:nvPr/>
+      </p:nvGrpSpPr>
+      <p:grpSpPr>
+        <a:xfrm>
+          <a:off x="0" y="0"/>
+          <a:ext cx="0" cy="0"/>
+          <a:chOff x="0" y="0"/>
+          <a:chExt cx="0" cy="0"/>
+        </a:xfrm>
+      </p:grpSpPr>
+      <p:sp>
+        <p:nvSpPr>
+          <p:cNvPr id="2" name="タイトル 1"/>
+          <p:cNvSpPr>
+            <a:spLocks noGrp="1"/>
+          </p:cNvSpPr>
+          <p:nvPr>
+            <p:ph type="title"/>
+          </p:nvPr>
+        </p:nvSpPr>
+        <p:spPr/>
+        <p:txBody>
+          <a:bodyPr>
+            <a:normAutofit fontScale="90000"/>
+          </a:bodyPr>
+          <a:lstStyle/>
+          <a:p>
+            <a:r>
+              <a:rPr lang="ja-JP" altLang="en-US"/>
+              <a:t>訪日旅行者と日本人</a:t>
+            </a:r>
+            <a:r>
+              <a:rPr lang="ja-JP" altLang="en-US"/>
+              <a:t>と</a:t>
+            </a:r>
+            <a:r>
+              <a:rPr lang="ja-JP" altLang="en-US" smtClean="0"/>
+              <a:t>の</a:t>
+            </a:r>
+            <a:r>
+              <a:rPr lang="en-US" altLang="ja-JP" smtClean="0"/>
+              <a:t/>
+            </a:r>
+            <a:br>
+              <a:rPr lang="en-US" altLang="ja-JP" smtClean="0"/>
+            </a:br>
+            <a:r>
+              <a:rPr lang="ja-JP" altLang="en-US" smtClean="0"/>
+              <a:t>コミュニケーション</a:t>
+            </a:r>
+            <a:endParaRPr kumimoji="1" lang="ja-JP" altLang="en-US"/>
+          </a:p>
+        </p:txBody>
+      </p:sp>
+      <p:sp>
+        <p:nvSpPr>
+          <p:cNvPr id="3" name="コンテンツ プレースホルダー 2"/>
+          <p:cNvSpPr>
+            <a:spLocks noGrp="1"/>
+          </p:cNvSpPr>
+          <p:nvPr>
+            <p:ph idx="1"/>
+          </p:nvPr>
+        </p:nvSpPr>
+        <p:spPr/>
+        <p:txBody>
+          <a:bodyPr/>
+          <a:lstStyle/>
+          <a:p>
+            <a:r>
+              <a:rPr lang="ja-JP" altLang="en-US" smtClean="0"/>
+              <a:t>モア子により、互いの言語がわからなくても、</a:t>
+            </a:r>
+            <a:r>
+              <a:rPr lang="en-US" altLang="ja-JP" smtClean="0"/>
+              <a:t/>
+            </a:r>
+            <a:br>
+              <a:rPr lang="en-US" altLang="ja-JP" smtClean="0"/>
+            </a:br>
+            <a:r>
+              <a:rPr lang="ja-JP" altLang="en-US" smtClean="0"/>
+              <a:t>助け合うことができる。</a:t>
+            </a:r>
+            <a:endParaRPr lang="en-US" altLang="ja-JP" smtClean="0"/>
+          </a:p>
+          <a:p>
+            <a:endParaRPr kumimoji="1" lang="en-US" altLang="ja-JP"/>
+          </a:p>
+          <a:p>
+            <a:endParaRPr lang="en-US" altLang="ja-JP" smtClean="0"/>
+          </a:p>
+          <a:p>
+            <a:r>
+              <a:rPr lang="ja-JP" altLang="en-US" smtClean="0"/>
+              <a:t>モア子がまだカバーできない範囲には、</a:t>
+            </a:r>
+            <a:r>
+              <a:rPr lang="en-US" altLang="ja-JP" smtClean="0"/>
+              <a:t/>
+            </a:r>
+            <a:br>
+              <a:rPr lang="en-US" altLang="ja-JP" smtClean="0"/>
+            </a:br>
+            <a:r>
+              <a:rPr lang="en-US" altLang="ja-JP" smtClean="0"/>
+              <a:t>Google</a:t>
+            </a:r>
+            <a:r>
+              <a:rPr lang="ja-JP" altLang="en-US" smtClean="0"/>
+              <a:t>翻訳、</a:t>
+            </a:r>
+            <a:r>
+              <a:rPr lang="en-US" altLang="ja-JP" smtClean="0"/>
+              <a:t>TextToSpeech</a:t>
+            </a:r>
+            <a:r>
+              <a:rPr lang="ja-JP" altLang="en-US" smtClean="0"/>
+              <a:t>を利用して</a:t>
+            </a:r>
+            <a:r>
+              <a:rPr lang="en-US" altLang="ja-JP" smtClean="0"/>
+              <a:t/>
+            </a:r>
+            <a:br>
+              <a:rPr lang="en-US" altLang="ja-JP" smtClean="0"/>
+            </a:br>
+            <a:r>
+              <a:rPr lang="ja-JP" altLang="en-US" smtClean="0"/>
+              <a:t>何とかする。</a:t>
+            </a:r>
+            <a:endParaRPr kumimoji="1" lang="en-US" altLang="ja-JP"/>
+          </a:p>
+        </p:txBody>
+      </p:sp>
+    </p:spTree>
+    <p:extLst>
+      <p:ext uri="{BB962C8B-B14F-4D97-AF65-F5344CB8AC3E}">
+        <p14:creationId xmlns:p14="http://schemas.microsoft.com/office/powerpoint/2010/main" val="281185165"/>
+      </p:ext>
+    </p:extLst>
+  </p:cSld>
+  <p:clrMapOvr>
+    <a:masterClrMapping/>
+  </p:clrMapOvr>
+  <p:timing>
+    <p:tnLst>
+      <p:par>
+        <p:cTn id="1" dur="indefinite" restart="never" nodeType="tmRoot">
+          <p:childTnLst>
+            <p:seq concurrent="1" nextAc="seek">
+              <p:cTn id="2" dur="indefinite" nodeType="mainSeq">
+                <p:childTnLst>
+                  <p:par>
+                    <p:cTn id="3" fill="hold">
+                      <p:stCondLst>
+                        <p:cond delay="indefinite"/>
+                      </p:stCondLst>
+                      <p:childTnLst>
+                        <p:par>
+                          <p:cTn id="4" fill="hold">
+                            <p:stCondLst>
+                              <p:cond delay="0"/>
+                            </p:stCondLst>
+                            <p:childTnLst>
+                              <p:par>
+                                <p:cTn id="5" presetID="2" presetClass="entr" presetSubtype="4" fill="hold" grpId="0" nodeType="clickEffect">
+                                  <p:stCondLst>
+                                    <p:cond delay="0"/>
+                                  </p:stCondLst>
+                                  <p:childTnLst>
+                                    <p:set>
+                                      <p:cBhvr>
+                                        <p:cTn id="6" dur="1" fill="hold">
+                                          <p:stCondLst>
+                                            <p:cond delay="0"/>
+                                          </p:stCondLst>
+                                        </p:cTn>
+                                        <p:tgtEl>
+                                          <p:spTgt spid="3">
+                                            <p:txEl>
+                                              <p:pRg st="0" end="0"/>
+                                            </p:txEl>
+                                          </p:spTgt>
+                                        </p:tgtEl>
+                                        <p:attrNameLst>
+                                          <p:attrName>style.visibility</p:attrName>
+                                        </p:attrNameLst>
+                                      </p:cBhvr>
+                                      <p:to>
+                                        <p:strVal val="visible"/>
+                                      </p:to>
+                                    </p:set>
+                                    <p:anim calcmode="lin" valueType="num">
+                                      <p:cBhvr additive="base">
+                                        <p:cTn id="7" dur="500" fill="hold"/>
+                                        <p:tgtEl>
+                                          <p:spTgt spid="3">
+                                            <p:txEl>
+                                              <p:pRg st="0" end="0"/>
+                                            </p:txEl>
+                                          </p:spTgt>
+                                        </p:tgtEl>
+                                        <p:attrNameLst>
+                                          <p:attrName>ppt_x</p:attrName>
+                                        </p:attrNameLst>
+                                      </p:cBhvr>
+                                      <p:tavLst>
+                                        <p:tav tm="0">
+                                          <p:val>
+                                            <p:strVal val="#ppt_x"/>
+                                          </p:val>
+                                        </p:tav>
+                                        <p:tav tm="100000">
+                                          <p:val>
+                                            <p:strVal val="#ppt_x"/>
+                                          </p:val>
+                                        </p:tav>
+                                      </p:tavLst>
+                                    </p:anim>
+                                    <p:anim calcmode="lin" valueType="num">
+                                      <p:cBhvr additive="base">
+                                        <p:cTn id="8" dur="500" fill="hold"/>
+                                        <p:tgtEl>
+                                          <p:spTgt spid="3">
+                                            <p:txEl>
+                                              <p:pRg st="0" end="0"/>
+                                            </p:txEl>
+                                          </p:spTgt>
+                                        </p:tgtEl>
+                                        <p:attrNameLst>
+                                          <p:attrName>ppt_y</p:attrName>
+                                        </p:attrNameLst>
+                                      </p:cBhvr>
+                                      <p:tavLst>
+                                        <p:tav tm="0">
+                                          <p:val>
+                                            <p:strVal val="1+#ppt_h/2"/>
+                                          </p:val>
+                                        </p:tav>
+                                        <p:tav tm="100000">
+                                          <p:val>
+                                            <p:strVal val="#ppt_y"/>
+                                          </p:val>
+                                        </p:tav>
+                                      </p:tavLst>
+                                    </p:anim>
+                                  </p:childTnLst>
+                                </p:cTn>
+                              </p:par>
+                            </p:childTnLst>
+                          </p:cTn>
+                        </p:par>
+                      </p:childTnLst>
+                    </p:cTn>
+                  </p:par>
+                  <p:par>
+                    <p:cTn id="9" fill="hold">
+                      <p:stCondLst>
+                        <p:cond delay="indefinite"/>
+                      </p:stCondLst>
+                      <p:childTnLst>
+                        <p:par>
+                          <p:cTn id="10" fill="hold">
+                            <p:stCondLst>
+                              <p:cond delay="0"/>
+                            </p:stCondLst>
+                            <p:childTnLst>
+                              <p:par>
+                                <p:cTn id="11" presetID="2" presetClass="entr" presetSubtype="4" fill="hold" grpId="0" nodeType="clickEffect">
+                                  <p:stCondLst>
+                                    <p:cond delay="0"/>
+                                  </p:stCondLst>
+                                  <p:childTnLst>
+                                    <p:set>
+                                      <p:cBhvr>
+                                        <p:cTn id="12" dur="1" fill="hold">
+                                          <p:stCondLst>
+                                            <p:cond delay="0"/>
+                                          </p:stCondLst>
+                                        </p:cTn>
+                                        <p:tgtEl>
+                                          <p:spTgt spid="3">
+                                            <p:txEl>
+                                              <p:pRg st="3" end="3"/>
+                                            </p:txEl>
+                                          </p:spTgt>
+                                        </p:tgtEl>
+                                        <p:attrNameLst>
+                                          <p:attrName>style.visibility</p:attrName>
+                                        </p:attrNameLst>
+                                      </p:cBhvr>
+                                      <p:to>
+                                        <p:strVal val="visible"/>
+                                      </p:to>
+                                    </p:set>
+                                    <p:anim calcmode="lin" valueType="num">
+                                      <p:cBhvr additive="base">
+                                        <p:cTn id="13" dur="500" fill="hold"/>
+                                        <p:tgtEl>
+                                          <p:spTgt spid="3">
+                                            <p:txEl>
+                                              <p:pRg st="3" end="3"/>
+                                            </p:txEl>
+                                          </p:spTgt>
+                                        </p:tgtEl>
+                                        <p:attrNameLst>
+                                          <p:attrName>ppt_x</p:attrName>
+                                        </p:attrNameLst>
+                                      </p:cBhvr>
+                                      <p:tavLst>
+                                        <p:tav tm="0">
+                                          <p:val>
+                                            <p:strVal val="#ppt_x"/>
+                                          </p:val>
+                                        </p:tav>
+                                        <p:tav tm="100000">
+                                          <p:val>
+                                            <p:strVal val="#ppt_x"/>
+                                          </p:val>
+                                        </p:tav>
+                                      </p:tavLst>
+                                    </p:anim>
+                                    <p:anim calcmode="lin" valueType="num">
+                                      <p:cBhvr additive="base">
+                                        <p:cTn id="14" dur="500" fill="hold"/>
+                                        <p:tgtEl>
+                                          <p:spTgt spid="3">
+                                            <p:txEl>
+                                              <p:pRg st="3" end="3"/>
+                                            </p:txEl>
+                                          </p:spTgt>
+                                        </p:tgtEl>
+                                        <p:attrNameLst>
+                                          <p:attrName>ppt_y</p:attrName>
+                                        </p:attrNameLst>
+                                      </p:cBhvr>
+                                      <p:tavLst>
+                                        <p:tav tm="0">
+                                          <p:val>
+                                            <p:strVal val="1+#ppt_h/2"/>
+                                          </p:val>
+                                        </p:tav>
+                                        <p:tav tm="100000">
+                                          <p:val>
+                                            <p:strVal val="#ppt_y"/>
+                                          </p:val>
+                                        </p:tav>
+                                      </p:tavLst>
+                                    </p:anim>
+                                  </p:childTnLst>
+                                </p:cTn>
+                              </p:par>
+                            </p:childTnLst>
+                          </p:cTn>
+                        </p:par>
+                      </p:childTnLst>
+                    </p:cTn>
+                  </p:par>
+                </p:childTnLst>
+              </p:cTn>
+              <p:prevCondLst>
+                <p:cond evt="onPrev" delay="0">
+                  <p:tgtEl>
+                    <p:sldTgt/>
+                  </p:tgtEl>
+                </p:cond>
+              </p:prevCondLst>
+              <p:nextCondLst>
+                <p:cond evt="onNext" delay="0">
+                  <p:tgtEl>
+                    <p:sldTgt/>
+                  </p:tgtEl>
+                </p:cond>
+              </p:nextCondLst>
+            </p:seq>
+          </p:childTnLst>
+        </p:cTn>
+      </p:par>
+    </p:tnLst>
+    <p:bldLst>
+      <p:bldP spid="3" grpId="0" build="p"/>
+    </p:bldLst>
+  </p:timing>
+</p:sld>
+</file>
+
+<file path=ppt/slides/slide4.xml><?xml version="1.0" encoding="utf-8"?>
+<p:sld xmlns:a="http://schemas.openxmlformats.org/drawingml/2006/main" xmlns:r="http://schemas.openxmlformats.org/officeDocument/2006/relationships" xmlns:p="http://schemas.openxmlformats.org/presentationml/2006/main">
+  <p:cSld>
+    <p:spTree>
+      <p:nvGrpSpPr>
+        <p:cNvPr id="1" name=""/>
+        <p:cNvGrpSpPr/>
+        <p:nvPr/>
+      </p:nvGrpSpPr>
+      <p:grpSpPr>
+        <a:xfrm>
+          <a:off x="0" y="0"/>
+          <a:ext cx="0" cy="0"/>
+          <a:chOff x="0" y="0"/>
+          <a:chExt cx="0" cy="0"/>
+        </a:xfrm>
+      </p:grpSpPr>
+      <p:sp>
+        <p:nvSpPr>
+          <p:cNvPr id="2" name="タイトル 1"/>
+          <p:cNvSpPr>
+            <a:spLocks noGrp="1"/>
+          </p:cNvSpPr>
+          <p:nvPr>
+            <p:ph type="title"/>
+          </p:nvPr>
+        </p:nvSpPr>
+        <p:spPr/>
+        <p:txBody>
+          <a:bodyPr>
+            <a:normAutofit/>
+          </a:bodyPr>
+          <a:lstStyle/>
+          <a:p>
+            <a:r>
+              <a:rPr kumimoji="1" lang="ja-JP" altLang="en-US" smtClean="0"/>
+              <a:t>モア子システムの機能と構成</a:t>
+            </a:r>
+            <a:endParaRPr kumimoji="1" lang="ja-JP" altLang="en-US"/>
+          </a:p>
+        </p:txBody>
+      </p:sp>
+      <p:sp>
+        <p:nvSpPr>
+          <p:cNvPr id="3" name="コンテンツ プレースホルダー 2"/>
+          <p:cNvSpPr>
+            <a:spLocks noGrp="1"/>
+          </p:cNvSpPr>
+          <p:nvPr>
+            <p:ph idx="1"/>
+          </p:nvPr>
+        </p:nvSpPr>
+        <p:spPr/>
+        <p:txBody>
+          <a:bodyPr/>
+          <a:lstStyle/>
+          <a:p>
+            <a:endParaRPr kumimoji="1" lang="ja-JP" altLang="en-US"/>
+          </a:p>
+        </p:txBody>
+      </p:sp>
+    </p:spTree>
+    <p:extLst>
+      <p:ext uri="{BB962C8B-B14F-4D97-AF65-F5344CB8AC3E}">
+        <p14:creationId xmlns:p14="http://schemas.microsoft.com/office/powerpoint/2010/main" val="2574660564"/>
+      </p:ext>
+    </p:extLst>
+  </p:cSld>
+  <p:clrMapOvr>
+    <a:masterClrMapping/>
+  </p:clrMapOvr>
+  <p:timing>
+    <p:tnLst>
+      <p:par>
+        <p:cTn id="1" dur="indefinite" restart="never" nodeType="tmRoot"/>
+      </p:par>
+    </p:tnLst>
+  </p:timing>
 </p:sld>
 </file>
 

--- a/05.Other/Document/モレ子プロジェクト.pptx
+++ b/05.Other/Document/モレ子プロジェクト.pptx
@@ -9,6 +9,10 @@
     <p:sldId id="257" r:id="rId3"/>
     <p:sldId id="258" r:id="rId4"/>
     <p:sldId id="259" r:id="rId5"/>
+    <p:sldId id="260" r:id="rId6"/>
+    <p:sldId id="261" r:id="rId7"/>
+    <p:sldId id="262" r:id="rId8"/>
+    <p:sldId id="263" r:id="rId9"/>
   </p:sldIdLst>
   <p:sldSz cx="9144000" cy="6858000" type="screen4x3"/>
   <p:notesSz cx="6858000" cy="9144000"/>
@@ -3438,11 +3442,7 @@
           <a:p>
             <a:r>
               <a:rPr kumimoji="1" lang="en-US" altLang="ja-JP" smtClean="0"/>
-              <a:t>MoreCo </a:t>
-            </a:r>
-            <a:r>
-              <a:rPr kumimoji="1" lang="en-US" altLang="ja-JP" smtClean="0"/>
-              <a:t>Team</a:t>
+              <a:t>MoreCo Team</a:t>
             </a:r>
             <a:endParaRPr kumimoji="1" lang="ja-JP" altLang="en-US"/>
           </a:p>
@@ -3608,8 +3608,16 @@
           <a:p>
             <a:pPr lvl="1"/>
             <a:r>
+              <a:rPr lang="ja-JP" altLang="en-US"/>
+              <a:t>モア子の</a:t>
+            </a:r>
+            <a:r>
+              <a:rPr lang="ja-JP" altLang="en-US"/>
+              <a:t>実現</a:t>
+            </a:r>
+            <a:r>
               <a:rPr lang="ja-JP" altLang="en-US" smtClean="0"/>
-              <a:t>特徴</a:t>
+              <a:t>可能性</a:t>
             </a:r>
             <a:endParaRPr lang="en-US" altLang="ja-JP" smtClean="0"/>
           </a:p>
@@ -3671,11 +3679,7 @@
           <a:p>
             <a:r>
               <a:rPr lang="ja-JP" altLang="en-US"/>
-              <a:t>訪日旅行者と日本人</a:t>
-            </a:r>
-            <a:r>
-              <a:rPr lang="ja-JP" altLang="en-US"/>
-              <a:t>と</a:t>
+              <a:t>訪日旅行者と日本人と</a:t>
             </a:r>
             <a:r>
               <a:rPr lang="ja-JP" altLang="en-US" smtClean="0"/>
@@ -4071,6 +4075,1747 @@
           </a:p>
         </p:txBody>
       </p:sp>
+      <p:pic>
+        <p:nvPicPr>
+          <p:cNvPr id="6" name="図 5" descr="C:\Users\umbal\AppData\Local\Microsoft\Windows\INetCache\IE\0F2A98W0\424px-Smartphone_icon.svg[1].png"/>
+          <p:cNvPicPr/>
+          <p:nvPr/>
+        </p:nvPicPr>
+        <p:blipFill>
+          <a:blip r:embed="rId2" cstate="print">
+            <a:extLst>
+              <a:ext uri="{28A0092B-C50C-407E-A947-70E740481C1C}">
+                <a14:useLocalDpi xmlns:a14="http://schemas.microsoft.com/office/drawing/2010/main" val="0"/>
+              </a:ext>
+            </a:extLst>
+          </a:blip>
+          <a:srcRect/>
+          <a:stretch>
+            <a:fillRect/>
+          </a:stretch>
+        </p:blipFill>
+        <p:spPr bwMode="auto">
+          <a:xfrm>
+            <a:off x="2108518" y="1409146"/>
+            <a:ext cx="1750060" cy="2476500"/>
+          </a:xfrm>
+          <a:prstGeom prst="rect">
+            <a:avLst/>
+          </a:prstGeom>
+          <a:noFill/>
+          <a:ln>
+            <a:noFill/>
+          </a:ln>
+        </p:spPr>
+      </p:pic>
+      <p:grpSp>
+        <p:nvGrpSpPr>
+          <p:cNvPr id="22" name="グループ化 21"/>
+          <p:cNvGrpSpPr/>
+          <p:nvPr/>
+        </p:nvGrpSpPr>
+        <p:grpSpPr>
+          <a:xfrm>
+            <a:off x="390208" y="1480435"/>
+            <a:ext cx="8216900" cy="1972141"/>
+            <a:chOff x="390208" y="1480435"/>
+            <a:chExt cx="8216900" cy="1972141"/>
+          </a:xfrm>
+        </p:grpSpPr>
+        <p:sp>
+          <p:nvSpPr>
+            <p:cNvPr id="5" name="正方形/長方形 4"/>
+            <p:cNvSpPr/>
+            <p:nvPr/>
+          </p:nvSpPr>
+          <p:spPr>
+            <a:xfrm>
+              <a:off x="634683" y="2361646"/>
+              <a:ext cx="1038225" cy="400050"/>
+            </a:xfrm>
+            <a:prstGeom prst="rect">
+              <a:avLst/>
+            </a:prstGeom>
+            <a:solidFill>
+              <a:srgbClr val="FFFF00"/>
+            </a:solidFill>
+            <a:ln>
+              <a:solidFill>
+                <a:srgbClr val="FF0000"/>
+              </a:solidFill>
+            </a:ln>
+          </p:spPr>
+          <p:style>
+            <a:lnRef idx="2">
+              <a:schemeClr val="accent1">
+                <a:shade val="50000"/>
+              </a:schemeClr>
+            </a:lnRef>
+            <a:fillRef idx="1">
+              <a:schemeClr val="accent1"/>
+            </a:fillRef>
+            <a:effectRef idx="0">
+              <a:schemeClr val="accent1"/>
+            </a:effectRef>
+            <a:fontRef idx="minor">
+              <a:schemeClr val="lt1"/>
+            </a:fontRef>
+          </p:style>
+          <p:txBody>
+            <a:bodyPr rot="0" spcFirstLastPara="0" vert="horz" wrap="square" lIns="91440" tIns="45720" rIns="91440" bIns="45720" numCol="1" spcCol="0" rtlCol="0" fromWordArt="0" anchor="ctr" anchorCtr="0" forceAA="0" compatLnSpc="1">
+              <a:prstTxWarp prst="textNoShape">
+                <a:avLst/>
+              </a:prstTxWarp>
+              <a:noAutofit/>
+            </a:bodyPr>
+            <a:lstStyle/>
+            <a:p>
+              <a:pPr indent="139700" algn="ctr">
+                <a:spcAft>
+                  <a:spcPts val="0"/>
+                </a:spcAft>
+              </a:pPr>
+              <a:r>
+                <a:rPr lang="en-US" sz="1100">
+                  <a:solidFill>
+                    <a:srgbClr val="4F81BD"/>
+                  </a:solidFill>
+                  <a:effectLst/>
+                  <a:ea typeface="ＭＳ 明朝"/>
+                  <a:cs typeface="Times New Roman"/>
+                </a:rPr>
+                <a:t> </a:t>
+              </a:r>
+              <a:endParaRPr lang="ja-JP" sz="1100">
+                <a:effectLst/>
+                <a:ea typeface="ＭＳ 明朝"/>
+                <a:cs typeface="Times New Roman"/>
+              </a:endParaRPr>
+            </a:p>
+          </p:txBody>
+        </p:sp>
+        <p:sp>
+          <p:nvSpPr>
+            <p:cNvPr id="8" name="フローチャート : 磁気ディスク 7"/>
+            <p:cNvSpPr/>
+            <p:nvPr/>
+          </p:nvSpPr>
+          <p:spPr>
+            <a:xfrm>
+              <a:off x="4789541" y="1480435"/>
+              <a:ext cx="2014707" cy="852636"/>
+            </a:xfrm>
+            <a:prstGeom prst="flowChartMagneticDisk">
+              <a:avLst/>
+            </a:prstGeom>
+            <a:noFill/>
+            <a:ln w="12700">
+              <a:solidFill>
+                <a:schemeClr val="tx1"/>
+              </a:solidFill>
+            </a:ln>
+          </p:spPr>
+          <p:style>
+            <a:lnRef idx="2">
+              <a:schemeClr val="accent1">
+                <a:shade val="50000"/>
+              </a:schemeClr>
+            </a:lnRef>
+            <a:fillRef idx="1">
+              <a:schemeClr val="accent1"/>
+            </a:fillRef>
+            <a:effectRef idx="0">
+              <a:schemeClr val="accent1"/>
+            </a:effectRef>
+            <a:fontRef idx="minor">
+              <a:schemeClr val="lt1"/>
+            </a:fontRef>
+          </p:style>
+          <p:txBody>
+            <a:bodyPr rot="0" spcFirstLastPara="0" vert="horz" wrap="square" lIns="91440" tIns="45720" rIns="91440" bIns="45720" numCol="1" spcCol="0" rtlCol="0" fromWordArt="0" anchor="ctr" anchorCtr="0" forceAA="0" compatLnSpc="1">
+              <a:prstTxWarp prst="textNoShape">
+                <a:avLst/>
+              </a:prstTxWarp>
+              <a:noAutofit/>
+            </a:bodyPr>
+            <a:lstStyle/>
+            <a:p>
+              <a:pPr indent="139700" algn="ctr">
+                <a:spcAft>
+                  <a:spcPts val="0"/>
+                </a:spcAft>
+              </a:pPr>
+              <a:r>
+                <a:rPr lang="en-US" sz="1100" smtClean="0">
+                  <a:solidFill>
+                    <a:srgbClr val="000000"/>
+                  </a:solidFill>
+                  <a:effectLst/>
+                  <a:ea typeface="ＭＳ 明朝"/>
+                  <a:cs typeface="Times New Roman"/>
+                </a:rPr>
+                <a:t>DB</a:t>
+              </a:r>
+              <a:r>
+                <a:rPr lang="ja-JP" altLang="en-US" sz="1100" smtClean="0">
+                  <a:solidFill>
+                    <a:srgbClr val="000000"/>
+                  </a:solidFill>
+                  <a:effectLst/>
+                  <a:ea typeface="ＭＳ 明朝"/>
+                  <a:cs typeface="Times New Roman"/>
+                </a:rPr>
+                <a:t>サーバ</a:t>
+              </a:r>
+              <a:endParaRPr lang="en-US" altLang="ja-JP" sz="1100" smtClean="0">
+                <a:solidFill>
+                  <a:srgbClr val="000000"/>
+                </a:solidFill>
+                <a:effectLst/>
+                <a:ea typeface="ＭＳ 明朝"/>
+                <a:cs typeface="Times New Roman"/>
+              </a:endParaRPr>
+            </a:p>
+            <a:p>
+              <a:pPr indent="139700" algn="ctr">
+                <a:spcAft>
+                  <a:spcPts val="0"/>
+                </a:spcAft>
+              </a:pPr>
+              <a:r>
+                <a:rPr lang="en-US" altLang="ja-JP" sz="1100" smtClean="0">
+                  <a:solidFill>
+                    <a:srgbClr val="000000"/>
+                  </a:solidFill>
+                  <a:ea typeface="ＭＳ 明朝"/>
+                  <a:cs typeface="Times New Roman"/>
+                </a:rPr>
+                <a:t>ApsaraDB</a:t>
+              </a:r>
+              <a:r>
+                <a:rPr lang="ja-JP" altLang="en-US" sz="1100" smtClean="0">
+                  <a:solidFill>
+                    <a:srgbClr val="000000"/>
+                  </a:solidFill>
+                  <a:ea typeface="ＭＳ 明朝"/>
+                  <a:cs typeface="Times New Roman"/>
+                </a:rPr>
+                <a:t> </a:t>
+              </a:r>
+              <a:r>
+                <a:rPr lang="en-US" altLang="ja-JP" sz="1100" smtClean="0">
+                  <a:solidFill>
+                    <a:srgbClr val="000000"/>
+                  </a:solidFill>
+                  <a:ea typeface="ＭＳ 明朝"/>
+                  <a:cs typeface="Times New Roman"/>
+                </a:rPr>
+                <a:t>RDS</a:t>
+              </a:r>
+              <a:endParaRPr lang="ja-JP" sz="1100">
+                <a:effectLst/>
+                <a:ea typeface="ＭＳ 明朝"/>
+                <a:cs typeface="Times New Roman"/>
+              </a:endParaRPr>
+            </a:p>
+          </p:txBody>
+        </p:sp>
+        <p:sp>
+          <p:nvSpPr>
+            <p:cNvPr id="9" name="正方形/長方形 8"/>
+            <p:cNvSpPr/>
+            <p:nvPr/>
+          </p:nvSpPr>
+          <p:spPr>
+            <a:xfrm>
+              <a:off x="4774883" y="2647396"/>
+              <a:ext cx="2089785" cy="805180"/>
+            </a:xfrm>
+            <a:prstGeom prst="rect">
+              <a:avLst/>
+            </a:prstGeom>
+            <a:noFill/>
+            <a:ln w="12700">
+              <a:solidFill>
+                <a:schemeClr val="tx1"/>
+              </a:solidFill>
+            </a:ln>
+          </p:spPr>
+          <p:style>
+            <a:lnRef idx="2">
+              <a:schemeClr val="accent1">
+                <a:shade val="50000"/>
+              </a:schemeClr>
+            </a:lnRef>
+            <a:fillRef idx="1">
+              <a:schemeClr val="accent1"/>
+            </a:fillRef>
+            <a:effectRef idx="0">
+              <a:schemeClr val="accent1"/>
+            </a:effectRef>
+            <a:fontRef idx="minor">
+              <a:schemeClr val="lt1"/>
+            </a:fontRef>
+          </p:style>
+          <p:txBody>
+            <a:bodyPr rot="0" spcFirstLastPara="0" vert="horz" wrap="square" lIns="91440" tIns="45720" rIns="91440" bIns="45720" numCol="1" spcCol="0" rtlCol="0" fromWordArt="0" anchor="ctr" anchorCtr="0" forceAA="0" compatLnSpc="1">
+              <a:prstTxWarp prst="textNoShape">
+                <a:avLst/>
+              </a:prstTxWarp>
+              <a:noAutofit/>
+            </a:bodyPr>
+            <a:lstStyle/>
+            <a:p>
+              <a:pPr indent="139700" algn="ctr">
+                <a:spcAft>
+                  <a:spcPts val="0"/>
+                </a:spcAft>
+              </a:pPr>
+              <a:r>
+                <a:rPr lang="vi-VN" sz="1100">
+                  <a:solidFill>
+                    <a:srgbClr val="000000"/>
+                  </a:solidFill>
+                  <a:effectLst/>
+                  <a:latin typeface="Times New Roman"/>
+                  <a:ea typeface="ＭＳ 明朝"/>
+                  <a:cs typeface="Times New Roman"/>
+                </a:rPr>
+                <a:t>Web </a:t>
+              </a:r>
+              <a:r>
+                <a:rPr lang="vi-VN" sz="1100" smtClean="0">
+                  <a:solidFill>
+                    <a:srgbClr val="000000"/>
+                  </a:solidFill>
+                  <a:effectLst/>
+                  <a:latin typeface="Times New Roman"/>
+                  <a:ea typeface="ＭＳ 明朝"/>
+                  <a:cs typeface="Times New Roman"/>
+                </a:rPr>
+                <a:t>server</a:t>
+              </a:r>
+              <a:endParaRPr lang="en-US" sz="1100">
+                <a:ea typeface="ＭＳ 明朝"/>
+                <a:cs typeface="Times New Roman"/>
+              </a:endParaRPr>
+            </a:p>
+            <a:p>
+              <a:pPr indent="139700" algn="ctr">
+                <a:spcAft>
+                  <a:spcPts val="0"/>
+                </a:spcAft>
+              </a:pPr>
+              <a:r>
+                <a:rPr lang="en-US" sz="1100" smtClean="0">
+                  <a:solidFill>
+                    <a:srgbClr val="000000"/>
+                  </a:solidFill>
+                  <a:effectLst/>
+                  <a:latin typeface="Times New Roman"/>
+                  <a:ea typeface="ＭＳ 明朝"/>
+                  <a:cs typeface="Times New Roman"/>
+                </a:rPr>
+                <a:t>ECS</a:t>
+              </a:r>
+            </a:p>
+          </p:txBody>
+        </p:sp>
+        <p:sp>
+          <p:nvSpPr>
+            <p:cNvPr id="10" name="laptop"/>
+            <p:cNvSpPr>
+              <a:spLocks noEditPoints="1" noChangeArrowheads="1"/>
+            </p:cNvSpPr>
+            <p:nvPr/>
+          </p:nvSpPr>
+          <p:spPr bwMode="auto">
+            <a:xfrm>
+              <a:off x="7768908" y="2761696"/>
+              <a:ext cx="838200" cy="630555"/>
+            </a:xfrm>
+            <a:custGeom>
+              <a:avLst/>
+              <a:gdLst>
+                <a:gd name="T0" fmla="*/ 3362 w 21600"/>
+                <a:gd name="T1" fmla="*/ 0 h 21600"/>
+                <a:gd name="T2" fmla="*/ 3362 w 21600"/>
+                <a:gd name="T3" fmla="*/ 7173 h 21600"/>
+                <a:gd name="T4" fmla="*/ 18327 w 21600"/>
+                <a:gd name="T5" fmla="*/ 0 h 21600"/>
+                <a:gd name="T6" fmla="*/ 18327 w 21600"/>
+                <a:gd name="T7" fmla="*/ 7173 h 21600"/>
+                <a:gd name="T8" fmla="*/ 10800 w 21600"/>
+                <a:gd name="T9" fmla="*/ 0 h 21600"/>
+                <a:gd name="T10" fmla="*/ 10800 w 21600"/>
+                <a:gd name="T11" fmla="*/ 21600 h 21600"/>
+                <a:gd name="T12" fmla="*/ 0 w 21600"/>
+                <a:gd name="T13" fmla="*/ 21600 h 21600"/>
+                <a:gd name="T14" fmla="*/ 21600 w 21600"/>
+                <a:gd name="T15" fmla="*/ 21600 h 21600"/>
+                <a:gd name="T16" fmla="*/ 4445 w 21600"/>
+                <a:gd name="T17" fmla="*/ 1858 h 21600"/>
+                <a:gd name="T18" fmla="*/ 17311 w 21600"/>
+                <a:gd name="T19" fmla="*/ 12323 h 21600"/>
+              </a:gdLst>
+              <a:ahLst/>
+              <a:cxnLst>
+                <a:cxn ang="0">
+                  <a:pos x="T0" y="T1"/>
+                </a:cxn>
+                <a:cxn ang="0">
+                  <a:pos x="T2" y="T3"/>
+                </a:cxn>
+                <a:cxn ang="0">
+                  <a:pos x="T4" y="T5"/>
+                </a:cxn>
+                <a:cxn ang="0">
+                  <a:pos x="T6" y="T7"/>
+                </a:cxn>
+                <a:cxn ang="0">
+                  <a:pos x="T8" y="T9"/>
+                </a:cxn>
+                <a:cxn ang="0">
+                  <a:pos x="T10" y="T11"/>
+                </a:cxn>
+                <a:cxn ang="0">
+                  <a:pos x="T12" y="T13"/>
+                </a:cxn>
+                <a:cxn ang="0">
+                  <a:pos x="T14" y="T15"/>
+                </a:cxn>
+              </a:cxnLst>
+              <a:rect l="T16" t="T17" r="T18" b="T19"/>
+              <a:pathLst>
+                <a:path w="21600" h="21600" extrusionOk="0">
+                  <a:moveTo>
+                    <a:pt x="3362" y="0"/>
+                  </a:moveTo>
+                  <a:lnTo>
+                    <a:pt x="18327" y="0"/>
+                  </a:lnTo>
+                  <a:lnTo>
+                    <a:pt x="18327" y="14347"/>
+                  </a:lnTo>
+                  <a:lnTo>
+                    <a:pt x="3362" y="14347"/>
+                  </a:lnTo>
+                  <a:lnTo>
+                    <a:pt x="3362" y="0"/>
+                  </a:lnTo>
+                  <a:close/>
+                </a:path>
+                <a:path w="21600" h="21600" extrusionOk="0">
+                  <a:moveTo>
+                    <a:pt x="3340" y="15068"/>
+                  </a:moveTo>
+                  <a:lnTo>
+                    <a:pt x="0" y="19877"/>
+                  </a:lnTo>
+                  <a:lnTo>
+                    <a:pt x="21600" y="19877"/>
+                  </a:lnTo>
+                  <a:lnTo>
+                    <a:pt x="18327" y="15068"/>
+                  </a:lnTo>
+                  <a:lnTo>
+                    <a:pt x="3340" y="15068"/>
+                  </a:lnTo>
+                  <a:close/>
+                </a:path>
+                <a:path w="21600" h="21600" extrusionOk="0">
+                  <a:moveTo>
+                    <a:pt x="0" y="19877"/>
+                  </a:moveTo>
+                  <a:lnTo>
+                    <a:pt x="0" y="21600"/>
+                  </a:lnTo>
+                  <a:lnTo>
+                    <a:pt x="21600" y="21600"/>
+                  </a:lnTo>
+                  <a:lnTo>
+                    <a:pt x="21600" y="19877"/>
+                  </a:lnTo>
+                  <a:lnTo>
+                    <a:pt x="0" y="19877"/>
+                  </a:lnTo>
+                  <a:close/>
+                </a:path>
+                <a:path w="21600" h="21600" extrusionOk="0">
+                  <a:moveTo>
+                    <a:pt x="4186" y="1523"/>
+                  </a:moveTo>
+                  <a:lnTo>
+                    <a:pt x="17547" y="1523"/>
+                  </a:lnTo>
+                  <a:lnTo>
+                    <a:pt x="17547" y="12744"/>
+                  </a:lnTo>
+                  <a:lnTo>
+                    <a:pt x="4186" y="12744"/>
+                  </a:lnTo>
+                  <a:lnTo>
+                    <a:pt x="4186" y="1523"/>
+                  </a:lnTo>
+                  <a:close/>
+                </a:path>
+                <a:path w="21600" h="21600" extrusionOk="0">
+                  <a:moveTo>
+                    <a:pt x="3318" y="15549"/>
+                  </a:moveTo>
+                  <a:lnTo>
+                    <a:pt x="2917" y="16110"/>
+                  </a:lnTo>
+                  <a:lnTo>
+                    <a:pt x="18727" y="16110"/>
+                  </a:lnTo>
+                  <a:lnTo>
+                    <a:pt x="18327" y="15549"/>
+                  </a:lnTo>
+                  <a:lnTo>
+                    <a:pt x="3318" y="15549"/>
+                  </a:lnTo>
+                  <a:close/>
+                </a:path>
+                <a:path w="21600" h="21600" extrusionOk="0">
+                  <a:moveTo>
+                    <a:pt x="6213" y="18314"/>
+                  </a:moveTo>
+                  <a:lnTo>
+                    <a:pt x="5946" y="18875"/>
+                  </a:lnTo>
+                  <a:lnTo>
+                    <a:pt x="15766" y="18875"/>
+                  </a:lnTo>
+                  <a:lnTo>
+                    <a:pt x="15499" y="18314"/>
+                  </a:lnTo>
+                  <a:lnTo>
+                    <a:pt x="6213" y="18314"/>
+                  </a:lnTo>
+                  <a:close/>
+                </a:path>
+                <a:path w="21600" h="21600" extrusionOk="0">
+                  <a:moveTo>
+                    <a:pt x="2828" y="16471"/>
+                  </a:moveTo>
+                  <a:lnTo>
+                    <a:pt x="2405" y="17072"/>
+                  </a:lnTo>
+                  <a:lnTo>
+                    <a:pt x="19284" y="17072"/>
+                  </a:lnTo>
+                  <a:lnTo>
+                    <a:pt x="18839" y="16471"/>
+                  </a:lnTo>
+                  <a:lnTo>
+                    <a:pt x="2828" y="16471"/>
+                  </a:lnTo>
+                  <a:close/>
+                </a:path>
+                <a:path w="21600" h="21600" extrusionOk="0">
+                  <a:moveTo>
+                    <a:pt x="2316" y="17352"/>
+                  </a:moveTo>
+                  <a:lnTo>
+                    <a:pt x="1871" y="17953"/>
+                  </a:lnTo>
+                  <a:lnTo>
+                    <a:pt x="19863" y="17953"/>
+                  </a:lnTo>
+                  <a:lnTo>
+                    <a:pt x="19395" y="17352"/>
+                  </a:lnTo>
+                  <a:lnTo>
+                    <a:pt x="2316" y="17352"/>
+                  </a:lnTo>
+                  <a:close/>
+                </a:path>
+              </a:pathLst>
+            </a:custGeom>
+            <a:solidFill>
+              <a:srgbClr val="C0C0C0"/>
+            </a:solidFill>
+            <a:ln w="9525">
+              <a:solidFill>
+                <a:srgbClr val="000000"/>
+              </a:solidFill>
+              <a:miter lim="800000"/>
+              <a:headEnd/>
+              <a:tailEnd/>
+            </a:ln>
+          </p:spPr>
+          <p:txBody>
+            <a:bodyPr rot="0" vert="horz" wrap="square" lIns="91440" tIns="45720" rIns="91440" bIns="45720" anchor="t" anchorCtr="0" upright="1">
+              <a:noAutofit/>
+            </a:bodyPr>
+            <a:lstStyle/>
+            <a:p>
+              <a:endParaRPr lang="ja-JP" altLang="en-US"/>
+            </a:p>
+          </p:txBody>
+        </p:sp>
+        <p:sp>
+          <p:nvSpPr>
+            <p:cNvPr id="11" name="上下矢印 10"/>
+            <p:cNvSpPr/>
+            <p:nvPr/>
+          </p:nvSpPr>
+          <p:spPr>
+            <a:xfrm>
+              <a:off x="5696320" y="2333071"/>
+              <a:ext cx="200025" cy="314325"/>
+            </a:xfrm>
+            <a:prstGeom prst="upDownArrow">
+              <a:avLst/>
+            </a:prstGeom>
+            <a:noFill/>
+            <a:ln w="12700">
+              <a:solidFill>
+                <a:schemeClr val="tx1"/>
+              </a:solidFill>
+            </a:ln>
+          </p:spPr>
+          <p:style>
+            <a:lnRef idx="2">
+              <a:schemeClr val="accent1">
+                <a:shade val="50000"/>
+              </a:schemeClr>
+            </a:lnRef>
+            <a:fillRef idx="1">
+              <a:schemeClr val="accent1"/>
+            </a:fillRef>
+            <a:effectRef idx="0">
+              <a:schemeClr val="accent1"/>
+            </a:effectRef>
+            <a:fontRef idx="minor">
+              <a:schemeClr val="lt1"/>
+            </a:fontRef>
+          </p:style>
+          <p:txBody>
+            <a:bodyPr rot="0" spcFirstLastPara="0" vert="horz" wrap="square" lIns="91440" tIns="45720" rIns="91440" bIns="45720" numCol="1" spcCol="0" rtlCol="0" fromWordArt="0" anchor="ctr" anchorCtr="0" forceAA="0" compatLnSpc="1">
+              <a:prstTxWarp prst="textNoShape">
+                <a:avLst/>
+              </a:prstTxWarp>
+              <a:noAutofit/>
+            </a:bodyPr>
+            <a:lstStyle/>
+            <a:p>
+              <a:endParaRPr lang="ja-JP" altLang="en-US"/>
+            </a:p>
+          </p:txBody>
+        </p:sp>
+        <p:cxnSp>
+          <p:nvCxnSpPr>
+            <p:cNvPr id="13" name="直線矢印コネクタ 12"/>
+            <p:cNvCxnSpPr/>
+            <p:nvPr/>
+          </p:nvCxnSpPr>
+          <p:spPr>
+            <a:xfrm>
+              <a:off x="3492183" y="3251916"/>
+              <a:ext cx="1292225" cy="0"/>
+            </a:xfrm>
+            <a:prstGeom prst="straightConnector1">
+              <a:avLst/>
+            </a:prstGeom>
+            <a:ln>
+              <a:headEnd type="arrow"/>
+              <a:tailEnd type="arrow"/>
+            </a:ln>
+          </p:spPr>
+          <p:style>
+            <a:lnRef idx="1">
+              <a:schemeClr val="accent1"/>
+            </a:lnRef>
+            <a:fillRef idx="0">
+              <a:schemeClr val="accent1"/>
+            </a:fillRef>
+            <a:effectRef idx="0">
+              <a:schemeClr val="accent1"/>
+            </a:effectRef>
+            <a:fontRef idx="minor">
+              <a:schemeClr val="tx1"/>
+            </a:fontRef>
+          </p:style>
+        </p:cxnSp>
+        <p:cxnSp>
+          <p:nvCxnSpPr>
+            <p:cNvPr id="14" name="直線矢印コネクタ 13"/>
+            <p:cNvCxnSpPr/>
+            <p:nvPr/>
+          </p:nvCxnSpPr>
+          <p:spPr>
+            <a:xfrm>
+              <a:off x="6864033" y="3133171"/>
+              <a:ext cx="1019175" cy="0"/>
+            </a:xfrm>
+            <a:prstGeom prst="straightConnector1">
+              <a:avLst/>
+            </a:prstGeom>
+            <a:ln>
+              <a:headEnd type="arrow"/>
+              <a:tailEnd type="arrow"/>
+            </a:ln>
+          </p:spPr>
+          <p:style>
+            <a:lnRef idx="1">
+              <a:schemeClr val="accent1"/>
+            </a:lnRef>
+            <a:fillRef idx="0">
+              <a:schemeClr val="accent1"/>
+            </a:fillRef>
+            <a:effectRef idx="0">
+              <a:schemeClr val="accent1"/>
+            </a:effectRef>
+            <a:fontRef idx="minor">
+              <a:schemeClr val="tx1"/>
+            </a:fontRef>
+          </p:style>
+        </p:cxnSp>
+        <p:cxnSp>
+          <p:nvCxnSpPr>
+            <p:cNvPr id="15" name="直線矢印コネクタ 14"/>
+            <p:cNvCxnSpPr/>
+            <p:nvPr/>
+          </p:nvCxnSpPr>
+          <p:spPr>
+            <a:xfrm flipH="1">
+              <a:off x="3499168" y="2875996"/>
+              <a:ext cx="1285240" cy="0"/>
+            </a:xfrm>
+            <a:prstGeom prst="straightConnector1">
+              <a:avLst/>
+            </a:prstGeom>
+            <a:ln>
+              <a:tailEnd type="arrow"/>
+            </a:ln>
+          </p:spPr>
+          <p:style>
+            <a:lnRef idx="1">
+              <a:schemeClr val="accent1"/>
+            </a:lnRef>
+            <a:fillRef idx="0">
+              <a:schemeClr val="accent1"/>
+            </a:fillRef>
+            <a:effectRef idx="0">
+              <a:schemeClr val="accent1"/>
+            </a:effectRef>
+            <a:fontRef idx="minor">
+              <a:schemeClr val="tx1"/>
+            </a:fontRef>
+          </p:style>
+        </p:cxnSp>
+        <p:pic>
+          <p:nvPicPr>
+            <p:cNvPr id="16" name="図 15" descr="C:\Users\umbal\AppData\Local\Microsoft\Windows\INetCache\IE\0F2A98W0\wireless[1].jpg"/>
+            <p:cNvPicPr/>
+            <p:nvPr/>
+          </p:nvPicPr>
+          <p:blipFill>
+            <a:blip r:embed="rId3" cstate="print">
+              <a:extLst>
+                <a:ext uri="{28A0092B-C50C-407E-A947-70E740481C1C}">
+                  <a14:useLocalDpi xmlns:a14="http://schemas.microsoft.com/office/drawing/2010/main" val="0"/>
+                </a:ext>
+              </a:extLst>
+            </a:blip>
+            <a:srcRect/>
+            <a:stretch>
+              <a:fillRect/>
+            </a:stretch>
+          </p:blipFill>
+          <p:spPr bwMode="auto">
+            <a:xfrm rot="16200000">
+              <a:off x="1717358" y="2247346"/>
+              <a:ext cx="807720" cy="645160"/>
+            </a:xfrm>
+            <a:prstGeom prst="rect">
+              <a:avLst/>
+            </a:prstGeom>
+            <a:noFill/>
+            <a:ln>
+              <a:noFill/>
+            </a:ln>
+          </p:spPr>
+        </p:pic>
+        <p:sp>
+          <p:nvSpPr>
+            <p:cNvPr id="17" name="テキスト ボックス 20"/>
+            <p:cNvSpPr txBox="1"/>
+            <p:nvPr/>
+          </p:nvSpPr>
+          <p:spPr>
+            <a:xfrm>
+              <a:off x="3506841" y="2577745"/>
+              <a:ext cx="1282700" cy="381635"/>
+            </a:xfrm>
+            <a:prstGeom prst="rect">
+              <a:avLst/>
+            </a:prstGeom>
+            <a:noFill/>
+            <a:ln w="6350">
+              <a:noFill/>
+            </a:ln>
+            <a:effectLst/>
+          </p:spPr>
+          <p:style>
+            <a:lnRef idx="0">
+              <a:schemeClr val="accent1"/>
+            </a:lnRef>
+            <a:fillRef idx="0">
+              <a:schemeClr val="accent1"/>
+            </a:fillRef>
+            <a:effectRef idx="0">
+              <a:schemeClr val="accent1"/>
+            </a:effectRef>
+            <a:fontRef idx="minor">
+              <a:schemeClr val="dk1"/>
+            </a:fontRef>
+          </p:style>
+          <p:txBody>
+            <a:bodyPr rot="0" spcFirstLastPara="0" vert="horz" wrap="square" lIns="91440" tIns="45720" rIns="91440" bIns="45720" numCol="1" spcCol="0" rtlCol="0" fromWordArt="0" anchor="t" anchorCtr="0" forceAA="0" compatLnSpc="1">
+              <a:prstTxWarp prst="textNoShape">
+                <a:avLst/>
+              </a:prstTxWarp>
+              <a:noAutofit/>
+            </a:bodyPr>
+            <a:lstStyle/>
+            <a:p>
+              <a:pPr indent="139700" algn="ctr">
+                <a:spcAft>
+                  <a:spcPts val="0"/>
+                </a:spcAft>
+              </a:pPr>
+              <a:r>
+                <a:rPr lang="en-US" sz="1100">
+                  <a:effectLst/>
+                  <a:ea typeface="ＭＳ 明朝"/>
+                  <a:cs typeface="Times New Roman"/>
+                </a:rPr>
+                <a:t>Dict update</a:t>
+              </a:r>
+              <a:endParaRPr lang="ja-JP" sz="1100">
+                <a:effectLst/>
+                <a:ea typeface="ＭＳ 明朝"/>
+                <a:cs typeface="Times New Roman"/>
+              </a:endParaRPr>
+            </a:p>
+          </p:txBody>
+        </p:sp>
+        <p:sp>
+          <p:nvSpPr>
+            <p:cNvPr id="18" name="テキスト ボックス 21"/>
+            <p:cNvSpPr txBox="1"/>
+            <p:nvPr/>
+          </p:nvSpPr>
+          <p:spPr>
+            <a:xfrm>
+              <a:off x="3419872" y="3000455"/>
+              <a:ext cx="1282700" cy="381635"/>
+            </a:xfrm>
+            <a:prstGeom prst="rect">
+              <a:avLst/>
+            </a:prstGeom>
+            <a:noFill/>
+            <a:ln w="6350">
+              <a:noFill/>
+            </a:ln>
+            <a:effectLst/>
+          </p:spPr>
+          <p:style>
+            <a:lnRef idx="0">
+              <a:schemeClr val="accent1"/>
+            </a:lnRef>
+            <a:fillRef idx="0">
+              <a:schemeClr val="accent1"/>
+            </a:fillRef>
+            <a:effectRef idx="0">
+              <a:schemeClr val="accent1"/>
+            </a:effectRef>
+            <a:fontRef idx="minor">
+              <a:schemeClr val="dk1"/>
+            </a:fontRef>
+          </p:style>
+          <p:txBody>
+            <a:bodyPr rot="0" spcFirstLastPara="0" vert="horz" wrap="square" lIns="91440" tIns="45720" rIns="91440" bIns="45720" numCol="1" spcCol="0" rtlCol="0" fromWordArt="0" anchor="t" anchorCtr="0" forceAA="0" compatLnSpc="1">
+              <a:prstTxWarp prst="textNoShape">
+                <a:avLst/>
+              </a:prstTxWarp>
+              <a:noAutofit/>
+            </a:bodyPr>
+            <a:lstStyle/>
+            <a:p>
+              <a:pPr indent="139700" algn="ctr">
+                <a:spcAft>
+                  <a:spcPts val="0"/>
+                </a:spcAft>
+              </a:pPr>
+              <a:r>
+                <a:rPr lang="en-US" sz="1100">
+                  <a:effectLst/>
+                  <a:ea typeface="ＭＳ 明朝"/>
+                  <a:cs typeface="Times New Roman"/>
+                </a:rPr>
+                <a:t>Ask</a:t>
+              </a:r>
+              <a:endParaRPr lang="ja-JP" sz="1100">
+                <a:effectLst/>
+                <a:ea typeface="ＭＳ 明朝"/>
+                <a:cs typeface="Times New Roman"/>
+              </a:endParaRPr>
+            </a:p>
+          </p:txBody>
+        </p:sp>
+        <p:sp>
+          <p:nvSpPr>
+            <p:cNvPr id="19" name="テキスト ボックス 22"/>
+            <p:cNvSpPr txBox="1"/>
+            <p:nvPr/>
+          </p:nvSpPr>
+          <p:spPr>
+            <a:xfrm>
+              <a:off x="6685598" y="2759791"/>
+              <a:ext cx="1282700" cy="381635"/>
+            </a:xfrm>
+            <a:prstGeom prst="rect">
+              <a:avLst/>
+            </a:prstGeom>
+            <a:noFill/>
+            <a:ln w="6350">
+              <a:noFill/>
+            </a:ln>
+            <a:effectLst/>
+          </p:spPr>
+          <p:style>
+            <a:lnRef idx="0">
+              <a:schemeClr val="accent1"/>
+            </a:lnRef>
+            <a:fillRef idx="0">
+              <a:schemeClr val="accent1"/>
+            </a:fillRef>
+            <a:effectRef idx="0">
+              <a:schemeClr val="accent1"/>
+            </a:effectRef>
+            <a:fontRef idx="minor">
+              <a:schemeClr val="dk1"/>
+            </a:fontRef>
+          </p:style>
+          <p:txBody>
+            <a:bodyPr rot="0" spcFirstLastPara="0" vert="horz" wrap="square" lIns="91440" tIns="45720" rIns="91440" bIns="45720" numCol="1" spcCol="0" rtlCol="0" fromWordArt="0" anchor="t" anchorCtr="0" forceAA="0" compatLnSpc="1">
+              <a:prstTxWarp prst="textNoShape">
+                <a:avLst/>
+              </a:prstTxWarp>
+              <a:noAutofit/>
+            </a:bodyPr>
+            <a:lstStyle/>
+            <a:p>
+              <a:pPr indent="139700" algn="ctr">
+                <a:spcAft>
+                  <a:spcPts val="0"/>
+                </a:spcAft>
+              </a:pPr>
+              <a:r>
+                <a:rPr lang="en-US" sz="1100">
+                  <a:effectLst/>
+                  <a:ea typeface="ＭＳ 明朝"/>
+                  <a:cs typeface="Times New Roman"/>
+                </a:rPr>
+                <a:t>Admin</a:t>
+              </a:r>
+              <a:endParaRPr lang="ja-JP" sz="1100">
+                <a:effectLst/>
+                <a:ea typeface="ＭＳ 明朝"/>
+                <a:cs typeface="Times New Roman"/>
+              </a:endParaRPr>
+            </a:p>
+          </p:txBody>
+        </p:sp>
+        <p:sp>
+          <p:nvSpPr>
+            <p:cNvPr id="20" name="テキスト ボックス 23"/>
+            <p:cNvSpPr txBox="1"/>
+            <p:nvPr/>
+          </p:nvSpPr>
+          <p:spPr>
+            <a:xfrm>
+              <a:off x="390208" y="2768562"/>
+              <a:ext cx="1282700" cy="381635"/>
+            </a:xfrm>
+            <a:prstGeom prst="rect">
+              <a:avLst/>
+            </a:prstGeom>
+            <a:noFill/>
+            <a:ln w="6350">
+              <a:noFill/>
+            </a:ln>
+            <a:effectLst/>
+          </p:spPr>
+          <p:style>
+            <a:lnRef idx="0">
+              <a:schemeClr val="accent1"/>
+            </a:lnRef>
+            <a:fillRef idx="0">
+              <a:schemeClr val="accent1"/>
+            </a:fillRef>
+            <a:effectRef idx="0">
+              <a:schemeClr val="accent1"/>
+            </a:effectRef>
+            <a:fontRef idx="minor">
+              <a:schemeClr val="dk1"/>
+            </a:fontRef>
+          </p:style>
+          <p:txBody>
+            <a:bodyPr rot="0" spcFirstLastPara="0" vert="horz" wrap="square" lIns="91440" tIns="45720" rIns="91440" bIns="45720" numCol="1" spcCol="0" rtlCol="0" fromWordArt="0" anchor="t" anchorCtr="0" forceAA="0" compatLnSpc="1">
+              <a:prstTxWarp prst="textNoShape">
+                <a:avLst/>
+              </a:prstTxWarp>
+              <a:noAutofit/>
+            </a:bodyPr>
+            <a:lstStyle/>
+            <a:p>
+              <a:pPr indent="139700" algn="ctr">
+                <a:spcAft>
+                  <a:spcPts val="0"/>
+                </a:spcAft>
+              </a:pPr>
+              <a:r>
+                <a:rPr lang="en-US" sz="1100">
+                  <a:effectLst/>
+                  <a:ea typeface="ＭＳ 明朝"/>
+                  <a:cs typeface="Times New Roman"/>
+                </a:rPr>
+                <a:t>Plate</a:t>
+              </a:r>
+              <a:endParaRPr lang="ja-JP" sz="1100">
+                <a:effectLst/>
+                <a:ea typeface="ＭＳ 明朝"/>
+                <a:cs typeface="Times New Roman"/>
+              </a:endParaRPr>
+            </a:p>
+          </p:txBody>
+        </p:sp>
+        <p:pic>
+          <p:nvPicPr>
+            <p:cNvPr id="1027" name="Picture 3"/>
+            <p:cNvPicPr>
+              <a:picLocks noChangeAspect="1" noChangeArrowheads="1"/>
+            </p:cNvPicPr>
+            <p:nvPr/>
+          </p:nvPicPr>
+          <p:blipFill>
+            <a:blip r:embed="rId4">
+              <a:extLst>
+                <a:ext uri="{28A0092B-C50C-407E-A947-70E740481C1C}">
+                  <a14:useLocalDpi xmlns:a14="http://schemas.microsoft.com/office/drawing/2010/main" val="0"/>
+                </a:ext>
+              </a:extLst>
+            </a:blip>
+            <a:srcRect/>
+            <a:stretch>
+              <a:fillRect/>
+            </a:stretch>
+          </p:blipFill>
+          <p:spPr bwMode="auto">
+            <a:xfrm>
+              <a:off x="5076056" y="2850595"/>
+              <a:ext cx="438150" cy="428625"/>
+            </a:xfrm>
+            <a:prstGeom prst="rect">
+              <a:avLst/>
+            </a:prstGeom>
+            <a:noFill/>
+            <a:ln>
+              <a:noFill/>
+            </a:ln>
+            <a:extLst>
+              <a:ext uri="{909E8E84-426E-40DD-AFC4-6F175D3DCCD1}">
+                <a14:hiddenFill xmlns:a14="http://schemas.microsoft.com/office/drawing/2010/main">
+                  <a:solidFill>
+                    <a:schemeClr val="accent1"/>
+                  </a:solidFill>
+                </a14:hiddenFill>
+              </a:ext>
+              <a:ext uri="{91240B29-F687-4F45-9708-019B960494DF}">
+                <a14:hiddenLine xmlns:a14="http://schemas.microsoft.com/office/drawing/2010/main" w="9525">
+                  <a:solidFill>
+                    <a:schemeClr val="tx1"/>
+                  </a:solidFill>
+                  <a:miter lim="800000"/>
+                  <a:headEnd/>
+                  <a:tailEnd/>
+                </a14:hiddenLine>
+              </a:ext>
+            </a:extLst>
+          </p:spPr>
+        </p:pic>
+        <p:pic>
+          <p:nvPicPr>
+            <p:cNvPr id="1028" name="Picture 4"/>
+            <p:cNvPicPr>
+              <a:picLocks noChangeAspect="1" noChangeArrowheads="1"/>
+            </p:cNvPicPr>
+            <p:nvPr/>
+          </p:nvPicPr>
+          <p:blipFill>
+            <a:blip r:embed="rId5">
+              <a:extLst>
+                <a:ext uri="{28A0092B-C50C-407E-A947-70E740481C1C}">
+                  <a14:useLocalDpi xmlns:a14="http://schemas.microsoft.com/office/drawing/2010/main" val="0"/>
+                </a:ext>
+              </a:extLst>
+            </a:blip>
+            <a:srcRect/>
+            <a:stretch>
+              <a:fillRect/>
+            </a:stretch>
+          </p:blipFill>
+          <p:spPr bwMode="auto">
+            <a:xfrm>
+              <a:off x="5048250" y="1806102"/>
+              <a:ext cx="419100" cy="371475"/>
+            </a:xfrm>
+            <a:prstGeom prst="rect">
+              <a:avLst/>
+            </a:prstGeom>
+            <a:noFill/>
+            <a:ln>
+              <a:noFill/>
+            </a:ln>
+            <a:extLst>
+              <a:ext uri="{909E8E84-426E-40DD-AFC4-6F175D3DCCD1}">
+                <a14:hiddenFill xmlns:a14="http://schemas.microsoft.com/office/drawing/2010/main">
+                  <a:solidFill>
+                    <a:schemeClr val="accent1"/>
+                  </a:solidFill>
+                </a14:hiddenFill>
+              </a:ext>
+              <a:ext uri="{91240B29-F687-4F45-9708-019B960494DF}">
+                <a14:hiddenLine xmlns:a14="http://schemas.microsoft.com/office/drawing/2010/main" w="9525">
+                  <a:solidFill>
+                    <a:schemeClr val="tx1"/>
+                  </a:solidFill>
+                  <a:miter lim="800000"/>
+                  <a:headEnd/>
+                  <a:tailEnd/>
+                </a14:hiddenLine>
+              </a:ext>
+            </a:extLst>
+          </p:spPr>
+        </p:pic>
+      </p:grpSp>
+      <p:sp>
+        <p:nvSpPr>
+          <p:cNvPr id="23" name="テキスト ボックス 22"/>
+          <p:cNvSpPr txBox="1"/>
+          <p:nvPr/>
+        </p:nvSpPr>
+        <p:spPr>
+          <a:xfrm>
+            <a:off x="542089" y="3860474"/>
+            <a:ext cx="1223412" cy="369332"/>
+          </a:xfrm>
+          <a:prstGeom prst="rect">
+            <a:avLst/>
+          </a:prstGeom>
+          <a:noFill/>
+        </p:spPr>
+        <p:txBody>
+          <a:bodyPr wrap="none" rtlCol="0">
+            <a:spAutoFit/>
+          </a:bodyPr>
+          <a:lstStyle/>
+          <a:p>
+            <a:r>
+              <a:rPr kumimoji="1" lang="ja-JP" altLang="en-US" smtClean="0"/>
+              <a:t>・文字表示</a:t>
+            </a:r>
+            <a:endParaRPr kumimoji="1" lang="ja-JP" altLang="en-US"/>
+          </a:p>
+        </p:txBody>
+      </p:sp>
+      <p:sp>
+        <p:nvSpPr>
+          <p:cNvPr id="27" name="テキスト ボックス 26"/>
+          <p:cNvSpPr txBox="1"/>
+          <p:nvPr/>
+        </p:nvSpPr>
+        <p:spPr>
+          <a:xfrm>
+            <a:off x="2240186" y="3860148"/>
+            <a:ext cx="1618392" cy="1200329"/>
+          </a:xfrm>
+          <a:prstGeom prst="rect">
+            <a:avLst/>
+          </a:prstGeom>
+          <a:noFill/>
+        </p:spPr>
+        <p:txBody>
+          <a:bodyPr wrap="none" rtlCol="0">
+            <a:spAutoFit/>
+          </a:bodyPr>
+          <a:lstStyle/>
+          <a:p>
+            <a:r>
+              <a:rPr lang="ja-JP" altLang="en-US" smtClean="0"/>
+              <a:t>・文字検索</a:t>
+            </a:r>
+            <a:endParaRPr lang="en-US" altLang="ja-JP" smtClean="0"/>
+          </a:p>
+          <a:p>
+            <a:r>
+              <a:rPr kumimoji="1" lang="ja-JP" altLang="en-US" smtClean="0"/>
+              <a:t>・文字送信</a:t>
+            </a:r>
+            <a:endParaRPr kumimoji="1" lang="en-US" altLang="ja-JP" smtClean="0"/>
+          </a:p>
+          <a:p>
+            <a:r>
+              <a:rPr lang="ja-JP" altLang="en-US" smtClean="0"/>
+              <a:t>・</a:t>
+            </a:r>
+            <a:r>
+              <a:rPr lang="en-US" altLang="ja-JP" smtClean="0"/>
+              <a:t>TechToSpeech</a:t>
+            </a:r>
+          </a:p>
+          <a:p>
+            <a:r>
+              <a:rPr kumimoji="1" lang="ja-JP" altLang="en-US" smtClean="0"/>
+              <a:t>・</a:t>
+            </a:r>
+            <a:r>
+              <a:rPr kumimoji="1" lang="en-US" altLang="ja-JP" smtClean="0"/>
+              <a:t>Google</a:t>
+            </a:r>
+            <a:r>
+              <a:rPr kumimoji="1" lang="ja-JP" altLang="en-US" smtClean="0"/>
+              <a:t>翻訳</a:t>
+            </a:r>
+            <a:endParaRPr kumimoji="1" lang="ja-JP" altLang="en-US"/>
+          </a:p>
+        </p:txBody>
+      </p:sp>
+      <p:sp>
+        <p:nvSpPr>
+          <p:cNvPr id="28" name="テキスト ボックス 27"/>
+          <p:cNvSpPr txBox="1"/>
+          <p:nvPr/>
+        </p:nvSpPr>
+        <p:spPr>
+          <a:xfrm>
+            <a:off x="4987136" y="3925498"/>
+            <a:ext cx="2650084" cy="646331"/>
+          </a:xfrm>
+          <a:prstGeom prst="rect">
+            <a:avLst/>
+          </a:prstGeom>
+          <a:noFill/>
+        </p:spPr>
+        <p:txBody>
+          <a:bodyPr wrap="none" rtlCol="0">
+            <a:spAutoFit/>
+          </a:bodyPr>
+          <a:lstStyle/>
+          <a:p>
+            <a:r>
+              <a:rPr lang="ja-JP" altLang="en-US" smtClean="0"/>
+              <a:t>・質問・回答</a:t>
+            </a:r>
+            <a:endParaRPr lang="en-US" altLang="ja-JP" smtClean="0"/>
+          </a:p>
+          <a:p>
+            <a:r>
+              <a:rPr kumimoji="1" lang="ja-JP" altLang="en-US" smtClean="0"/>
+              <a:t>・多言語辞書メンテナンス</a:t>
+            </a:r>
+            <a:endParaRPr kumimoji="1" lang="ja-JP" altLang="en-US"/>
+          </a:p>
+        </p:txBody>
+      </p:sp>
+    </p:spTree>
+    <p:extLst>
+      <p:ext uri="{BB962C8B-B14F-4D97-AF65-F5344CB8AC3E}">
+        <p14:creationId xmlns:p14="http://schemas.microsoft.com/office/powerpoint/2010/main" val="2574660564"/>
+      </p:ext>
+    </p:extLst>
+  </p:cSld>
+  <p:clrMapOvr>
+    <a:masterClrMapping/>
+  </p:clrMapOvr>
+  <p:timing>
+    <p:tnLst>
+      <p:par>
+        <p:cTn id="1" dur="indefinite" restart="never" nodeType="tmRoot">
+          <p:childTnLst>
+            <p:seq concurrent="1" nextAc="seek">
+              <p:cTn id="2" dur="indefinite" nodeType="mainSeq">
+                <p:childTnLst>
+                  <p:par>
+                    <p:cTn id="3" fill="hold">
+                      <p:stCondLst>
+                        <p:cond delay="indefinite"/>
+                      </p:stCondLst>
+                      <p:childTnLst>
+                        <p:par>
+                          <p:cTn id="4" fill="hold">
+                            <p:stCondLst>
+                              <p:cond delay="0"/>
+                            </p:stCondLst>
+                            <p:childTnLst>
+                              <p:par>
+                                <p:cTn id="5" presetID="10" presetClass="entr" presetSubtype="0" fill="hold" grpId="0" nodeType="clickEffect">
+                                  <p:stCondLst>
+                                    <p:cond delay="0"/>
+                                  </p:stCondLst>
+                                  <p:childTnLst>
+                                    <p:set>
+                                      <p:cBhvr>
+                                        <p:cTn id="6" dur="1" fill="hold">
+                                          <p:stCondLst>
+                                            <p:cond delay="0"/>
+                                          </p:stCondLst>
+                                        </p:cTn>
+                                        <p:tgtEl>
+                                          <p:spTgt spid="23"/>
+                                        </p:tgtEl>
+                                        <p:attrNameLst>
+                                          <p:attrName>style.visibility</p:attrName>
+                                        </p:attrNameLst>
+                                      </p:cBhvr>
+                                      <p:to>
+                                        <p:strVal val="visible"/>
+                                      </p:to>
+                                    </p:set>
+                                    <p:animEffect transition="in" filter="fade">
+                                      <p:cBhvr>
+                                        <p:cTn id="7" dur="500"/>
+                                        <p:tgtEl>
+                                          <p:spTgt spid="23"/>
+                                        </p:tgtEl>
+                                      </p:cBhvr>
+                                    </p:animEffect>
+                                  </p:childTnLst>
+                                </p:cTn>
+                              </p:par>
+                            </p:childTnLst>
+                          </p:cTn>
+                        </p:par>
+                      </p:childTnLst>
+                    </p:cTn>
+                  </p:par>
+                  <p:par>
+                    <p:cTn id="8" fill="hold">
+                      <p:stCondLst>
+                        <p:cond delay="indefinite"/>
+                      </p:stCondLst>
+                      <p:childTnLst>
+                        <p:par>
+                          <p:cTn id="9" fill="hold">
+                            <p:stCondLst>
+                              <p:cond delay="0"/>
+                            </p:stCondLst>
+                            <p:childTnLst>
+                              <p:par>
+                                <p:cTn id="10" presetID="10" presetClass="entr" presetSubtype="0" fill="hold" grpId="0" nodeType="clickEffect">
+                                  <p:stCondLst>
+                                    <p:cond delay="0"/>
+                                  </p:stCondLst>
+                                  <p:childTnLst>
+                                    <p:set>
+                                      <p:cBhvr>
+                                        <p:cTn id="11" dur="1" fill="hold">
+                                          <p:stCondLst>
+                                            <p:cond delay="0"/>
+                                          </p:stCondLst>
+                                        </p:cTn>
+                                        <p:tgtEl>
+                                          <p:spTgt spid="27"/>
+                                        </p:tgtEl>
+                                        <p:attrNameLst>
+                                          <p:attrName>style.visibility</p:attrName>
+                                        </p:attrNameLst>
+                                      </p:cBhvr>
+                                      <p:to>
+                                        <p:strVal val="visible"/>
+                                      </p:to>
+                                    </p:set>
+                                    <p:animEffect transition="in" filter="fade">
+                                      <p:cBhvr>
+                                        <p:cTn id="12" dur="500"/>
+                                        <p:tgtEl>
+                                          <p:spTgt spid="27"/>
+                                        </p:tgtEl>
+                                      </p:cBhvr>
+                                    </p:animEffect>
+                                  </p:childTnLst>
+                                </p:cTn>
+                              </p:par>
+                            </p:childTnLst>
+                          </p:cTn>
+                        </p:par>
+                      </p:childTnLst>
+                    </p:cTn>
+                  </p:par>
+                  <p:par>
+                    <p:cTn id="13" fill="hold">
+                      <p:stCondLst>
+                        <p:cond delay="indefinite"/>
+                      </p:stCondLst>
+                      <p:childTnLst>
+                        <p:par>
+                          <p:cTn id="14" fill="hold">
+                            <p:stCondLst>
+                              <p:cond delay="0"/>
+                            </p:stCondLst>
+                            <p:childTnLst>
+                              <p:par>
+                                <p:cTn id="15" presetID="10" presetClass="entr" presetSubtype="0" fill="hold" grpId="0" nodeType="clickEffect">
+                                  <p:stCondLst>
+                                    <p:cond delay="0"/>
+                                  </p:stCondLst>
+                                  <p:childTnLst>
+                                    <p:set>
+                                      <p:cBhvr>
+                                        <p:cTn id="16" dur="1" fill="hold">
+                                          <p:stCondLst>
+                                            <p:cond delay="0"/>
+                                          </p:stCondLst>
+                                        </p:cTn>
+                                        <p:tgtEl>
+                                          <p:spTgt spid="28"/>
+                                        </p:tgtEl>
+                                        <p:attrNameLst>
+                                          <p:attrName>style.visibility</p:attrName>
+                                        </p:attrNameLst>
+                                      </p:cBhvr>
+                                      <p:to>
+                                        <p:strVal val="visible"/>
+                                      </p:to>
+                                    </p:set>
+                                    <p:animEffect transition="in" filter="fade">
+                                      <p:cBhvr>
+                                        <p:cTn id="17" dur="500"/>
+                                        <p:tgtEl>
+                                          <p:spTgt spid="28"/>
+                                        </p:tgtEl>
+                                      </p:cBhvr>
+                                    </p:animEffect>
+                                  </p:childTnLst>
+                                </p:cTn>
+                              </p:par>
+                            </p:childTnLst>
+                          </p:cTn>
+                        </p:par>
+                      </p:childTnLst>
+                    </p:cTn>
+                  </p:par>
+                </p:childTnLst>
+              </p:cTn>
+              <p:prevCondLst>
+                <p:cond evt="onPrev" delay="0">
+                  <p:tgtEl>
+                    <p:sldTgt/>
+                  </p:tgtEl>
+                </p:cond>
+              </p:prevCondLst>
+              <p:nextCondLst>
+                <p:cond evt="onNext" delay="0">
+                  <p:tgtEl>
+                    <p:sldTgt/>
+                  </p:tgtEl>
+                </p:cond>
+              </p:nextCondLst>
+            </p:seq>
+          </p:childTnLst>
+        </p:cTn>
+      </p:par>
+    </p:tnLst>
+    <p:bldLst>
+      <p:bldP spid="23" grpId="0"/>
+      <p:bldP spid="27" grpId="0"/>
+      <p:bldP spid="28" grpId="0"/>
+    </p:bldLst>
+  </p:timing>
+</p:sld>
+</file>
+
+<file path=ppt/slides/slide5.xml><?xml version="1.0" encoding="utf-8"?>
+<p:sld xmlns:a="http://schemas.openxmlformats.org/drawingml/2006/main" xmlns:r="http://schemas.openxmlformats.org/officeDocument/2006/relationships" xmlns:p="http://schemas.openxmlformats.org/presentationml/2006/main">
+  <p:cSld>
+    <p:spTree>
+      <p:nvGrpSpPr>
+        <p:cNvPr id="1" name=""/>
+        <p:cNvGrpSpPr/>
+        <p:nvPr/>
+      </p:nvGrpSpPr>
+      <p:grpSpPr>
+        <a:xfrm>
+          <a:off x="0" y="0"/>
+          <a:ext cx="0" cy="0"/>
+          <a:chOff x="0" y="0"/>
+          <a:chExt cx="0" cy="0"/>
+        </a:xfrm>
+      </p:grpSpPr>
+      <p:sp>
+        <p:nvSpPr>
+          <p:cNvPr id="2" name="タイトル 1"/>
+          <p:cNvSpPr>
+            <a:spLocks noGrp="1"/>
+          </p:cNvSpPr>
+          <p:nvPr>
+            <p:ph type="title"/>
+          </p:nvPr>
+        </p:nvSpPr>
+        <p:spPr/>
+        <p:txBody>
+          <a:bodyPr/>
+          <a:lstStyle/>
+          <a:p>
+            <a:r>
+              <a:rPr lang="ja-JP" altLang="en-US" smtClean="0"/>
+              <a:t>電車内での</a:t>
+            </a:r>
+            <a:r>
+              <a:rPr lang="ja-JP" altLang="en-US"/>
+              <a:t>出来事</a:t>
+            </a:r>
+            <a:endParaRPr kumimoji="1" lang="ja-JP" altLang="en-US"/>
+          </a:p>
+        </p:txBody>
+      </p:sp>
+      <p:grpSp>
+        <p:nvGrpSpPr>
+          <p:cNvPr id="5" name="グループ化 4"/>
+          <p:cNvGrpSpPr/>
+          <p:nvPr/>
+        </p:nvGrpSpPr>
+        <p:grpSpPr>
+          <a:xfrm>
+            <a:off x="2267744" y="1211672"/>
+            <a:ext cx="4464496" cy="5093174"/>
+            <a:chOff x="2267744" y="1211672"/>
+            <a:chExt cx="4464496" cy="5093174"/>
+          </a:xfrm>
+        </p:grpSpPr>
+        <p:pic>
+          <p:nvPicPr>
+            <p:cNvPr id="2050" name="Picture 2" descr="C:\Users\umbal\Desktop\chikan_hannin.png"/>
+            <p:cNvPicPr>
+              <a:picLocks noChangeAspect="1" noChangeArrowheads="1"/>
+            </p:cNvPicPr>
+            <p:nvPr/>
+          </p:nvPicPr>
+          <p:blipFill>
+            <a:blip r:embed="rId2">
+              <a:extLst>
+                <a:ext uri="{28A0092B-C50C-407E-A947-70E740481C1C}">
+                  <a14:useLocalDpi xmlns:a14="http://schemas.microsoft.com/office/drawing/2010/main" val="0"/>
+                </a:ext>
+              </a:extLst>
+            </a:blip>
+            <a:srcRect/>
+            <a:stretch>
+              <a:fillRect/>
+            </a:stretch>
+          </p:blipFill>
+          <p:spPr bwMode="auto">
+            <a:xfrm>
+              <a:off x="2267744" y="1211672"/>
+              <a:ext cx="4464496" cy="4974369"/>
+            </a:xfrm>
+            <a:prstGeom prst="rect">
+              <a:avLst/>
+            </a:prstGeom>
+            <a:noFill/>
+            <a:extLst>
+              <a:ext uri="{909E8E84-426E-40DD-AFC4-6F175D3DCCD1}">
+                <a14:hiddenFill xmlns:a14="http://schemas.microsoft.com/office/drawing/2010/main">
+                  <a:solidFill>
+                    <a:srgbClr val="FFFFFF"/>
+                  </a:solidFill>
+                </a14:hiddenFill>
+              </a:ext>
+            </a:extLst>
+          </p:spPr>
+        </p:pic>
+        <p:sp>
+          <p:nvSpPr>
+            <p:cNvPr id="4" name="テキスト ボックス 3"/>
+            <p:cNvSpPr txBox="1"/>
+            <p:nvPr/>
+          </p:nvSpPr>
+          <p:spPr>
+            <a:xfrm>
+              <a:off x="3059832" y="6058625"/>
+              <a:ext cx="3520516" cy="246221"/>
+            </a:xfrm>
+            <a:prstGeom prst="rect">
+              <a:avLst/>
+            </a:prstGeom>
+            <a:noFill/>
+          </p:spPr>
+          <p:txBody>
+            <a:bodyPr wrap="none" rtlCol="0">
+              <a:spAutoFit/>
+            </a:bodyPr>
+            <a:lstStyle/>
+            <a:p>
+              <a:r>
+                <a:rPr kumimoji="1" lang="ja-JP" altLang="en-US" sz="1000" smtClean="0"/>
+                <a:t>ソース：</a:t>
+              </a:r>
+              <a:r>
+                <a:rPr lang="en-US" altLang="ja-JP" sz="1000"/>
+                <a:t> http://www.irasutoya.com/2015/08/blog-post_97.html</a:t>
+              </a:r>
+              <a:endParaRPr kumimoji="1" lang="ja-JP" altLang="en-US" sz="1000"/>
+            </a:p>
+          </p:txBody>
+        </p:sp>
+      </p:grpSp>
+    </p:spTree>
+    <p:extLst>
+      <p:ext uri="{BB962C8B-B14F-4D97-AF65-F5344CB8AC3E}">
+        <p14:creationId xmlns:p14="http://schemas.microsoft.com/office/powerpoint/2010/main" val="1496286248"/>
+      </p:ext>
+    </p:extLst>
+  </p:cSld>
+  <p:clrMapOvr>
+    <a:masterClrMapping/>
+  </p:clrMapOvr>
+  <p:timing>
+    <p:tnLst>
+      <p:par>
+        <p:cTn id="1" dur="indefinite" restart="never" nodeType="tmRoot">
+          <p:childTnLst>
+            <p:seq concurrent="1" nextAc="seek">
+              <p:cTn id="2" dur="indefinite" nodeType="mainSeq">
+                <p:childTnLst>
+                  <p:par>
+                    <p:cTn id="3" fill="hold">
+                      <p:stCondLst>
+                        <p:cond delay="indefinite"/>
+                      </p:stCondLst>
+                      <p:childTnLst>
+                        <p:par>
+                          <p:cTn id="4" fill="hold">
+                            <p:stCondLst>
+                              <p:cond delay="0"/>
+                            </p:stCondLst>
+                            <p:childTnLst>
+                              <p:par>
+                                <p:cTn id="5" presetID="10" presetClass="entr" presetSubtype="0" fill="hold" nodeType="clickEffect">
+                                  <p:stCondLst>
+                                    <p:cond delay="0"/>
+                                  </p:stCondLst>
+                                  <p:childTnLst>
+                                    <p:set>
+                                      <p:cBhvr>
+                                        <p:cTn id="6" dur="1" fill="hold">
+                                          <p:stCondLst>
+                                            <p:cond delay="0"/>
+                                          </p:stCondLst>
+                                        </p:cTn>
+                                        <p:tgtEl>
+                                          <p:spTgt spid="5"/>
+                                        </p:tgtEl>
+                                        <p:attrNameLst>
+                                          <p:attrName>style.visibility</p:attrName>
+                                        </p:attrNameLst>
+                                      </p:cBhvr>
+                                      <p:to>
+                                        <p:strVal val="visible"/>
+                                      </p:to>
+                                    </p:set>
+                                    <p:animEffect transition="in" filter="fade">
+                                      <p:cBhvr>
+                                        <p:cTn id="7" dur="30000"/>
+                                        <p:tgtEl>
+                                          <p:spTgt spid="5"/>
+                                        </p:tgtEl>
+                                      </p:cBhvr>
+                                    </p:animEffect>
+                                  </p:childTnLst>
+                                </p:cTn>
+                              </p:par>
+                            </p:childTnLst>
+                          </p:cTn>
+                        </p:par>
+                      </p:childTnLst>
+                    </p:cTn>
+                  </p:par>
+                </p:childTnLst>
+              </p:cTn>
+              <p:prevCondLst>
+                <p:cond evt="onPrev" delay="0">
+                  <p:tgtEl>
+                    <p:sldTgt/>
+                  </p:tgtEl>
+                </p:cond>
+              </p:prevCondLst>
+              <p:nextCondLst>
+                <p:cond evt="onNext" delay="0">
+                  <p:tgtEl>
+                    <p:sldTgt/>
+                  </p:tgtEl>
+                </p:cond>
+              </p:nextCondLst>
+            </p:seq>
+          </p:childTnLst>
+        </p:cTn>
+      </p:par>
+    </p:tnLst>
+  </p:timing>
+</p:sld>
+</file>
+
+<file path=ppt/slides/slide6.xml><?xml version="1.0" encoding="utf-8"?>
+<p:sld xmlns:a="http://schemas.openxmlformats.org/drawingml/2006/main" xmlns:r="http://schemas.openxmlformats.org/officeDocument/2006/relationships" xmlns:p="http://schemas.openxmlformats.org/presentationml/2006/main">
+  <p:cSld>
+    <p:spTree>
+      <p:nvGrpSpPr>
+        <p:cNvPr id="1" name=""/>
+        <p:cNvGrpSpPr/>
+        <p:nvPr/>
+      </p:nvGrpSpPr>
+      <p:grpSpPr>
+        <a:xfrm>
+          <a:off x="0" y="0"/>
+          <a:ext cx="0" cy="0"/>
+          <a:chOff x="0" y="0"/>
+          <a:chExt cx="0" cy="0"/>
+        </a:xfrm>
+      </p:grpSpPr>
+      <p:sp>
+        <p:nvSpPr>
+          <p:cNvPr id="2" name="タイトル 1"/>
+          <p:cNvSpPr>
+            <a:spLocks noGrp="1"/>
+          </p:cNvSpPr>
+          <p:nvPr>
+            <p:ph type="title"/>
+          </p:nvPr>
+        </p:nvSpPr>
+        <p:spPr/>
+        <p:txBody>
+          <a:bodyPr>
+            <a:normAutofit fontScale="90000"/>
+          </a:bodyPr>
+          <a:lstStyle/>
+          <a:p>
+            <a:r>
+              <a:rPr lang="ja-JP" altLang="en-US" smtClean="0"/>
+              <a:t>新コミュニケーション手法の</a:t>
+            </a:r>
+            <a:r>
+              <a:rPr lang="ja-JP" altLang="en-US"/>
+              <a:t>コンセプト</a:t>
+            </a:r>
+            <a:endParaRPr kumimoji="1" lang="ja-JP" altLang="en-US"/>
+          </a:p>
+        </p:txBody>
+      </p:sp>
       <p:sp>
         <p:nvSpPr>
           <p:cNvPr id="3" name="コンテンツ プレースホルダー 2"/>
@@ -4083,9 +5828,2207 @@
         </p:nvSpPr>
         <p:spPr/>
         <p:txBody>
+          <a:bodyPr>
+            <a:normAutofit fontScale="92500" lnSpcReduction="20000"/>
+          </a:bodyPr>
+          <a:lstStyle/>
+          <a:p>
+            <a:r>
+              <a:rPr kumimoji="1" lang="ja-JP" altLang="en-US" smtClean="0"/>
+              <a:t>コンセプト</a:t>
+            </a:r>
+            <a:r>
+              <a:rPr kumimoji="1" lang="en-US" altLang="ja-JP" smtClean="0"/>
+              <a:t/>
+            </a:r>
+            <a:br>
+              <a:rPr kumimoji="1" lang="en-US" altLang="ja-JP" smtClean="0"/>
+            </a:br>
+            <a:r>
+              <a:rPr lang="ja-JP" altLang="en-US"/>
+              <a:t>スマートフォンで入力した</a:t>
+            </a:r>
+            <a:r>
+              <a:rPr lang="en-US" altLang="ja-JP"/>
+              <a:t/>
+            </a:r>
+            <a:br>
+              <a:rPr lang="en-US" altLang="ja-JP"/>
+            </a:br>
+            <a:r>
+              <a:rPr lang="ja-JP" altLang="en-US"/>
+              <a:t>コンテンツを胸ポケットに</a:t>
+            </a:r>
+            <a:r>
+              <a:rPr lang="en-US" altLang="ja-JP"/>
+              <a:t/>
+            </a:r>
+            <a:br>
+              <a:rPr lang="en-US" altLang="ja-JP"/>
+            </a:br>
+            <a:r>
+              <a:rPr lang="ja-JP" altLang="en-US"/>
+              <a:t>挟んでいるディスプレイに</a:t>
+            </a:r>
+            <a:r>
+              <a:rPr lang="en-US" altLang="ja-JP"/>
+              <a:t/>
+            </a:r>
+            <a:br>
+              <a:rPr lang="en-US" altLang="ja-JP"/>
+            </a:br>
+            <a:r>
+              <a:rPr lang="ja-JP" altLang="en-US"/>
+              <a:t>表示し周りの人に</a:t>
+            </a:r>
+            <a:r>
+              <a:rPr lang="ja-JP" altLang="en-US"/>
+              <a:t>発信</a:t>
+            </a:r>
+            <a:r>
+              <a:rPr lang="ja-JP" altLang="en-US" smtClean="0"/>
+              <a:t>する</a:t>
+            </a:r>
+            <a:endParaRPr lang="en-US" altLang="ja-JP" smtClean="0"/>
+          </a:p>
+          <a:p>
+            <a:r>
+              <a:rPr kumimoji="1" lang="ja-JP" altLang="en-US" smtClean="0"/>
+              <a:t>特徴</a:t>
+            </a:r>
+            <a:endParaRPr kumimoji="1" lang="en-US" altLang="ja-JP" smtClean="0"/>
+          </a:p>
+          <a:p>
+            <a:pPr lvl="1"/>
+            <a:r>
+              <a:rPr lang="ja-JP" altLang="en-US"/>
+              <a:t>今まで周りに発信する</a:t>
+            </a:r>
+            <a:r>
+              <a:rPr lang="ja-JP" altLang="en-US"/>
+              <a:t>わけ</a:t>
+            </a:r>
+            <a:r>
+              <a:rPr lang="ja-JP" altLang="en-US" smtClean="0"/>
+              <a:t>が</a:t>
+            </a:r>
+            <a:r>
+              <a:rPr lang="en-US" altLang="ja-JP" smtClean="0"/>
+              <a:t/>
+            </a:r>
+            <a:br>
+              <a:rPr lang="en-US" altLang="ja-JP" smtClean="0"/>
+            </a:br>
+            <a:r>
+              <a:rPr lang="ja-JP" altLang="en-US" smtClean="0"/>
+              <a:t>ない</a:t>
+            </a:r>
+            <a:r>
+              <a:rPr lang="ja-JP" altLang="en-US"/>
+              <a:t>ことでも、発信できる</a:t>
+            </a:r>
+            <a:r>
+              <a:rPr lang="ja-JP" altLang="en-US"/>
+              <a:t>よう</a:t>
+            </a:r>
+            <a:r>
+              <a:rPr lang="ja-JP" altLang="en-US" smtClean="0"/>
+              <a:t>に</a:t>
+            </a:r>
+            <a:r>
+              <a:rPr lang="en-US" altLang="ja-JP" smtClean="0"/>
+              <a:t/>
+            </a:r>
+            <a:br>
+              <a:rPr lang="en-US" altLang="ja-JP" smtClean="0"/>
+            </a:br>
+            <a:r>
+              <a:rPr lang="ja-JP" altLang="en-US" smtClean="0"/>
+              <a:t>なる</a:t>
+            </a:r>
+            <a:r>
+              <a:rPr lang="ja-JP" altLang="en-US"/>
+              <a:t>。</a:t>
+            </a:r>
+          </a:p>
+          <a:p>
+            <a:pPr lvl="1"/>
+            <a:r>
+              <a:rPr lang="ja-JP" altLang="en-US"/>
+              <a:t>ムード共有</a:t>
+            </a:r>
+            <a:r>
+              <a:rPr lang="ja-JP" altLang="en-US"/>
+              <a:t>は</a:t>
+            </a:r>
+            <a:r>
+              <a:rPr lang="ja-JP" altLang="en-US" smtClean="0"/>
+              <a:t>、アプリ上だけの</a:t>
+            </a:r>
+            <a:r>
+              <a:rPr lang="en-US" altLang="ja-JP" smtClean="0"/>
+              <a:t/>
+            </a:r>
+            <a:br>
+              <a:rPr lang="en-US" altLang="ja-JP" smtClean="0"/>
+            </a:br>
+            <a:r>
+              <a:rPr lang="ja-JP" altLang="en-US" smtClean="0"/>
+              <a:t>機能</a:t>
+            </a:r>
+            <a:r>
+              <a:rPr lang="ja-JP" altLang="en-US"/>
+              <a:t>では</a:t>
+            </a:r>
+            <a:r>
+              <a:rPr lang="ja-JP" altLang="en-US"/>
+              <a:t>ない</a:t>
+            </a:r>
+            <a:r>
+              <a:rPr lang="ja-JP" altLang="en-US" smtClean="0"/>
+              <a:t>。実世界に</a:t>
+            </a:r>
+            <a:r>
+              <a:rPr lang="en-US" altLang="ja-JP" smtClean="0"/>
+              <a:t/>
+            </a:r>
+            <a:br>
+              <a:rPr lang="en-US" altLang="ja-JP" smtClean="0"/>
+            </a:br>
+            <a:r>
+              <a:rPr lang="ja-JP" altLang="en-US" smtClean="0"/>
+              <a:t>使う</a:t>
+            </a:r>
+            <a:r>
+              <a:rPr lang="ja-JP" altLang="en-US"/>
+              <a:t>。</a:t>
+            </a:r>
+            <a:endParaRPr kumimoji="1" lang="ja-JP" altLang="en-US"/>
+          </a:p>
+        </p:txBody>
+      </p:sp>
+      <p:grpSp>
+        <p:nvGrpSpPr>
+          <p:cNvPr id="4" name="グループ化 3"/>
+          <p:cNvGrpSpPr/>
+          <p:nvPr/>
+        </p:nvGrpSpPr>
+        <p:grpSpPr>
+          <a:xfrm>
+            <a:off x="5566809" y="1775033"/>
+            <a:ext cx="3168352" cy="4103276"/>
+            <a:chOff x="5397197" y="1543889"/>
+            <a:chExt cx="3168352" cy="4103276"/>
+          </a:xfrm>
+        </p:grpSpPr>
+        <p:pic>
+          <p:nvPicPr>
+            <p:cNvPr id="5" name="Picture 16"/>
+            <p:cNvPicPr>
+              <a:picLocks noChangeAspect="1" noChangeArrowheads="1"/>
+            </p:cNvPicPr>
+            <p:nvPr/>
+          </p:nvPicPr>
+          <p:blipFill>
+            <a:blip r:embed="rId2">
+              <a:extLst>
+                <a:ext uri="{28A0092B-C50C-407E-A947-70E740481C1C}">
+                  <a14:useLocalDpi xmlns:a14="http://schemas.microsoft.com/office/drawing/2010/main" val="0"/>
+                </a:ext>
+              </a:extLst>
+            </a:blip>
+            <a:srcRect/>
+            <a:stretch>
+              <a:fillRect/>
+            </a:stretch>
+          </p:blipFill>
+          <p:spPr bwMode="auto">
+            <a:xfrm>
+              <a:off x="5397197" y="1543889"/>
+              <a:ext cx="3168352" cy="4103276"/>
+            </a:xfrm>
+            <a:prstGeom prst="rect">
+              <a:avLst/>
+            </a:prstGeom>
+            <a:noFill/>
+            <a:ln>
+              <a:noFill/>
+            </a:ln>
+            <a:extLst>
+              <a:ext uri="{909E8E84-426E-40DD-AFC4-6F175D3DCCD1}">
+                <a14:hiddenFill xmlns:a14="http://schemas.microsoft.com/office/drawing/2010/main">
+                  <a:solidFill>
+                    <a:schemeClr val="accent1"/>
+                  </a:solidFill>
+                </a14:hiddenFill>
+              </a:ext>
+              <a:ext uri="{91240B29-F687-4F45-9708-019B960494DF}">
+                <a14:hiddenLine xmlns:a14="http://schemas.microsoft.com/office/drawing/2010/main" w="9525">
+                  <a:solidFill>
+                    <a:schemeClr val="tx1"/>
+                  </a:solidFill>
+                  <a:miter lim="800000"/>
+                  <a:headEnd/>
+                  <a:tailEnd/>
+                </a14:hiddenLine>
+              </a:ext>
+            </a:extLst>
+          </p:spPr>
+        </p:pic>
+        <p:sp>
+          <p:nvSpPr>
+            <p:cNvPr id="6" name="正方形/長方形 5"/>
+            <p:cNvSpPr/>
+            <p:nvPr/>
+          </p:nvSpPr>
+          <p:spPr>
+            <a:xfrm rot="1847614">
+              <a:off x="7227871" y="4049420"/>
+              <a:ext cx="280556" cy="221208"/>
+            </a:xfrm>
+            <a:prstGeom prst="rect">
+              <a:avLst/>
+            </a:prstGeom>
+            <a:solidFill>
+              <a:srgbClr val="FFFF00"/>
+            </a:solidFill>
+            <a:ln>
+              <a:solidFill>
+                <a:srgbClr val="FF0000"/>
+              </a:solidFill>
+            </a:ln>
+          </p:spPr>
+          <p:style>
+            <a:lnRef idx="2">
+              <a:schemeClr val="accent1">
+                <a:shade val="50000"/>
+              </a:schemeClr>
+            </a:lnRef>
+            <a:fillRef idx="1">
+              <a:schemeClr val="accent1"/>
+            </a:fillRef>
+            <a:effectRef idx="0">
+              <a:schemeClr val="accent1"/>
+            </a:effectRef>
+            <a:fontRef idx="minor">
+              <a:schemeClr val="lt1"/>
+            </a:fontRef>
+          </p:style>
+          <p:txBody>
+            <a:bodyPr rtlCol="0" anchor="ctr"/>
+            <a:lstStyle>
+              <a:defPPr>
+                <a:defRPr lang="ja-JP"/>
+              </a:defPPr>
+              <a:lvl1pPr marL="0" algn="l" defTabSz="914400" rtl="0" eaLnBrk="1" latinLnBrk="0" hangingPunct="1">
+                <a:defRPr kumimoji="1" sz="1800" kern="1200">
+                  <a:solidFill>
+                    <a:schemeClr val="lt1"/>
+                  </a:solidFill>
+                  <a:latin typeface="+mn-lt"/>
+                  <a:ea typeface="+mn-ea"/>
+                  <a:cs typeface="+mn-cs"/>
+                </a:defRPr>
+              </a:lvl1pPr>
+              <a:lvl2pPr marL="457200" algn="l" defTabSz="914400" rtl="0" eaLnBrk="1" latinLnBrk="0" hangingPunct="1">
+                <a:defRPr kumimoji="1" sz="1800" kern="1200">
+                  <a:solidFill>
+                    <a:schemeClr val="lt1"/>
+                  </a:solidFill>
+                  <a:latin typeface="+mn-lt"/>
+                  <a:ea typeface="+mn-ea"/>
+                  <a:cs typeface="+mn-cs"/>
+                </a:defRPr>
+              </a:lvl2pPr>
+              <a:lvl3pPr marL="914400" algn="l" defTabSz="914400" rtl="0" eaLnBrk="1" latinLnBrk="0" hangingPunct="1">
+                <a:defRPr kumimoji="1" sz="1800" kern="1200">
+                  <a:solidFill>
+                    <a:schemeClr val="lt1"/>
+                  </a:solidFill>
+                  <a:latin typeface="+mn-lt"/>
+                  <a:ea typeface="+mn-ea"/>
+                  <a:cs typeface="+mn-cs"/>
+                </a:defRPr>
+              </a:lvl3pPr>
+              <a:lvl4pPr marL="1371600" algn="l" defTabSz="914400" rtl="0" eaLnBrk="1" latinLnBrk="0" hangingPunct="1">
+                <a:defRPr kumimoji="1" sz="1800" kern="1200">
+                  <a:solidFill>
+                    <a:schemeClr val="lt1"/>
+                  </a:solidFill>
+                  <a:latin typeface="+mn-lt"/>
+                  <a:ea typeface="+mn-ea"/>
+                  <a:cs typeface="+mn-cs"/>
+                </a:defRPr>
+              </a:lvl4pPr>
+              <a:lvl5pPr marL="1828800" algn="l" defTabSz="914400" rtl="0" eaLnBrk="1" latinLnBrk="0" hangingPunct="1">
+                <a:defRPr kumimoji="1" sz="1800" kern="1200">
+                  <a:solidFill>
+                    <a:schemeClr val="lt1"/>
+                  </a:solidFill>
+                  <a:latin typeface="+mn-lt"/>
+                  <a:ea typeface="+mn-ea"/>
+                  <a:cs typeface="+mn-cs"/>
+                </a:defRPr>
+              </a:lvl5pPr>
+              <a:lvl6pPr marL="2286000" algn="l" defTabSz="914400" rtl="0" eaLnBrk="1" latinLnBrk="0" hangingPunct="1">
+                <a:defRPr kumimoji="1" sz="1800" kern="1200">
+                  <a:solidFill>
+                    <a:schemeClr val="lt1"/>
+                  </a:solidFill>
+                  <a:latin typeface="+mn-lt"/>
+                  <a:ea typeface="+mn-ea"/>
+                  <a:cs typeface="+mn-cs"/>
+                </a:defRPr>
+              </a:lvl6pPr>
+              <a:lvl7pPr marL="2743200" algn="l" defTabSz="914400" rtl="0" eaLnBrk="1" latinLnBrk="0" hangingPunct="1">
+                <a:defRPr kumimoji="1" sz="1800" kern="1200">
+                  <a:solidFill>
+                    <a:schemeClr val="lt1"/>
+                  </a:solidFill>
+                  <a:latin typeface="+mn-lt"/>
+                  <a:ea typeface="+mn-ea"/>
+                  <a:cs typeface="+mn-cs"/>
+                </a:defRPr>
+              </a:lvl7pPr>
+              <a:lvl8pPr marL="3200400" algn="l" defTabSz="914400" rtl="0" eaLnBrk="1" latinLnBrk="0" hangingPunct="1">
+                <a:defRPr kumimoji="1" sz="1800" kern="1200">
+                  <a:solidFill>
+                    <a:schemeClr val="lt1"/>
+                  </a:solidFill>
+                  <a:latin typeface="+mn-lt"/>
+                  <a:ea typeface="+mn-ea"/>
+                  <a:cs typeface="+mn-cs"/>
+                </a:defRPr>
+              </a:lvl8pPr>
+              <a:lvl9pPr marL="3657600" algn="l" defTabSz="914400" rtl="0" eaLnBrk="1" latinLnBrk="0" hangingPunct="1">
+                <a:defRPr kumimoji="1" sz="1800" kern="1200">
+                  <a:solidFill>
+                    <a:schemeClr val="lt1"/>
+                  </a:solidFill>
+                  <a:latin typeface="+mn-lt"/>
+                  <a:ea typeface="+mn-ea"/>
+                  <a:cs typeface="+mn-cs"/>
+                </a:defRPr>
+              </a:lvl9pPr>
+            </a:lstStyle>
+            <a:p>
+              <a:pPr algn="ctr"/>
+              <a:endParaRPr kumimoji="1" lang="ja-JP" altLang="en-US">
+                <a:solidFill>
+                  <a:srgbClr val="FF0000"/>
+                </a:solidFill>
+              </a:endParaRPr>
+            </a:p>
+          </p:txBody>
+        </p:sp>
+        <p:sp>
+          <p:nvSpPr>
+            <p:cNvPr id="7" name="左カーブ矢印 6"/>
+            <p:cNvSpPr/>
+            <p:nvPr/>
+          </p:nvSpPr>
+          <p:spPr>
+            <a:xfrm rot="16728950">
+              <a:off x="6377980" y="2908227"/>
+              <a:ext cx="394730" cy="1543344"/>
+            </a:xfrm>
+            <a:prstGeom prst="curvedLeftArrow">
+              <a:avLst/>
+            </a:prstGeom>
+            <a:solidFill>
+              <a:schemeClr val="accent6"/>
+            </a:solidFill>
+            <a:ln>
+              <a:solidFill>
+                <a:schemeClr val="accent6"/>
+              </a:solidFill>
+            </a:ln>
+          </p:spPr>
+          <p:style>
+            <a:lnRef idx="2">
+              <a:schemeClr val="accent1">
+                <a:shade val="50000"/>
+              </a:schemeClr>
+            </a:lnRef>
+            <a:fillRef idx="1">
+              <a:schemeClr val="accent1"/>
+            </a:fillRef>
+            <a:effectRef idx="0">
+              <a:schemeClr val="accent1"/>
+            </a:effectRef>
+            <a:fontRef idx="minor">
+              <a:schemeClr val="lt1"/>
+            </a:fontRef>
+          </p:style>
+          <p:txBody>
+            <a:bodyPr rtlCol="0" anchor="ctr"/>
+            <a:lstStyle>
+              <a:defPPr>
+                <a:defRPr lang="ja-JP"/>
+              </a:defPPr>
+              <a:lvl1pPr marL="0" algn="l" defTabSz="914400" rtl="0" eaLnBrk="1" latinLnBrk="0" hangingPunct="1">
+                <a:defRPr kumimoji="1" sz="1800" kern="1200">
+                  <a:solidFill>
+                    <a:schemeClr val="lt1"/>
+                  </a:solidFill>
+                  <a:latin typeface="+mn-lt"/>
+                  <a:ea typeface="+mn-ea"/>
+                  <a:cs typeface="+mn-cs"/>
+                </a:defRPr>
+              </a:lvl1pPr>
+              <a:lvl2pPr marL="457200" algn="l" defTabSz="914400" rtl="0" eaLnBrk="1" latinLnBrk="0" hangingPunct="1">
+                <a:defRPr kumimoji="1" sz="1800" kern="1200">
+                  <a:solidFill>
+                    <a:schemeClr val="lt1"/>
+                  </a:solidFill>
+                  <a:latin typeface="+mn-lt"/>
+                  <a:ea typeface="+mn-ea"/>
+                  <a:cs typeface="+mn-cs"/>
+                </a:defRPr>
+              </a:lvl2pPr>
+              <a:lvl3pPr marL="914400" algn="l" defTabSz="914400" rtl="0" eaLnBrk="1" latinLnBrk="0" hangingPunct="1">
+                <a:defRPr kumimoji="1" sz="1800" kern="1200">
+                  <a:solidFill>
+                    <a:schemeClr val="lt1"/>
+                  </a:solidFill>
+                  <a:latin typeface="+mn-lt"/>
+                  <a:ea typeface="+mn-ea"/>
+                  <a:cs typeface="+mn-cs"/>
+                </a:defRPr>
+              </a:lvl3pPr>
+              <a:lvl4pPr marL="1371600" algn="l" defTabSz="914400" rtl="0" eaLnBrk="1" latinLnBrk="0" hangingPunct="1">
+                <a:defRPr kumimoji="1" sz="1800" kern="1200">
+                  <a:solidFill>
+                    <a:schemeClr val="lt1"/>
+                  </a:solidFill>
+                  <a:latin typeface="+mn-lt"/>
+                  <a:ea typeface="+mn-ea"/>
+                  <a:cs typeface="+mn-cs"/>
+                </a:defRPr>
+              </a:lvl4pPr>
+              <a:lvl5pPr marL="1828800" algn="l" defTabSz="914400" rtl="0" eaLnBrk="1" latinLnBrk="0" hangingPunct="1">
+                <a:defRPr kumimoji="1" sz="1800" kern="1200">
+                  <a:solidFill>
+                    <a:schemeClr val="lt1"/>
+                  </a:solidFill>
+                  <a:latin typeface="+mn-lt"/>
+                  <a:ea typeface="+mn-ea"/>
+                  <a:cs typeface="+mn-cs"/>
+                </a:defRPr>
+              </a:lvl5pPr>
+              <a:lvl6pPr marL="2286000" algn="l" defTabSz="914400" rtl="0" eaLnBrk="1" latinLnBrk="0" hangingPunct="1">
+                <a:defRPr kumimoji="1" sz="1800" kern="1200">
+                  <a:solidFill>
+                    <a:schemeClr val="lt1"/>
+                  </a:solidFill>
+                  <a:latin typeface="+mn-lt"/>
+                  <a:ea typeface="+mn-ea"/>
+                  <a:cs typeface="+mn-cs"/>
+                </a:defRPr>
+              </a:lvl6pPr>
+              <a:lvl7pPr marL="2743200" algn="l" defTabSz="914400" rtl="0" eaLnBrk="1" latinLnBrk="0" hangingPunct="1">
+                <a:defRPr kumimoji="1" sz="1800" kern="1200">
+                  <a:solidFill>
+                    <a:schemeClr val="lt1"/>
+                  </a:solidFill>
+                  <a:latin typeface="+mn-lt"/>
+                  <a:ea typeface="+mn-ea"/>
+                  <a:cs typeface="+mn-cs"/>
+                </a:defRPr>
+              </a:lvl7pPr>
+              <a:lvl8pPr marL="3200400" algn="l" defTabSz="914400" rtl="0" eaLnBrk="1" latinLnBrk="0" hangingPunct="1">
+                <a:defRPr kumimoji="1" sz="1800" kern="1200">
+                  <a:solidFill>
+                    <a:schemeClr val="lt1"/>
+                  </a:solidFill>
+                  <a:latin typeface="+mn-lt"/>
+                  <a:ea typeface="+mn-ea"/>
+                  <a:cs typeface="+mn-cs"/>
+                </a:defRPr>
+              </a:lvl8pPr>
+              <a:lvl9pPr marL="3657600" algn="l" defTabSz="914400" rtl="0" eaLnBrk="1" latinLnBrk="0" hangingPunct="1">
+                <a:defRPr kumimoji="1" sz="1800" kern="1200">
+                  <a:solidFill>
+                    <a:schemeClr val="lt1"/>
+                  </a:solidFill>
+                  <a:latin typeface="+mn-lt"/>
+                  <a:ea typeface="+mn-ea"/>
+                  <a:cs typeface="+mn-cs"/>
+                </a:defRPr>
+              </a:lvl9pPr>
+            </a:lstStyle>
+            <a:p>
+              <a:pPr algn="ctr"/>
+              <a:endParaRPr kumimoji="1" lang="ja-JP" altLang="en-US">
+                <a:solidFill>
+                  <a:schemeClr val="tx1"/>
+                </a:solidFill>
+              </a:endParaRPr>
+            </a:p>
+          </p:txBody>
+        </p:sp>
+      </p:grpSp>
+    </p:spTree>
+    <p:extLst>
+      <p:ext uri="{BB962C8B-B14F-4D97-AF65-F5344CB8AC3E}">
+        <p14:creationId xmlns:p14="http://schemas.microsoft.com/office/powerpoint/2010/main" val="2930231410"/>
+      </p:ext>
+    </p:extLst>
+  </p:cSld>
+  <p:clrMapOvr>
+    <a:masterClrMapping/>
+  </p:clrMapOvr>
+  <p:timing>
+    <p:tnLst>
+      <p:par>
+        <p:cTn id="1" dur="indefinite" restart="never" nodeType="tmRoot">
+          <p:childTnLst>
+            <p:seq concurrent="1" nextAc="seek">
+              <p:cTn id="2" dur="indefinite" nodeType="mainSeq">
+                <p:childTnLst>
+                  <p:par>
+                    <p:cTn id="3" fill="hold">
+                      <p:stCondLst>
+                        <p:cond delay="indefinite"/>
+                      </p:stCondLst>
+                      <p:childTnLst>
+                        <p:par>
+                          <p:cTn id="4" fill="hold">
+                            <p:stCondLst>
+                              <p:cond delay="0"/>
+                            </p:stCondLst>
+                            <p:childTnLst>
+                              <p:par>
+                                <p:cTn id="5" presetID="10" presetClass="entr" presetSubtype="0" fill="hold" grpId="0" nodeType="clickEffect">
+                                  <p:stCondLst>
+                                    <p:cond delay="0"/>
+                                  </p:stCondLst>
+                                  <p:childTnLst>
+                                    <p:set>
+                                      <p:cBhvr>
+                                        <p:cTn id="6" dur="1" fill="hold">
+                                          <p:stCondLst>
+                                            <p:cond delay="0"/>
+                                          </p:stCondLst>
+                                        </p:cTn>
+                                        <p:tgtEl>
+                                          <p:spTgt spid="3">
+                                            <p:txEl>
+                                              <p:pRg st="0" end="0"/>
+                                            </p:txEl>
+                                          </p:spTgt>
+                                        </p:tgtEl>
+                                        <p:attrNameLst>
+                                          <p:attrName>style.visibility</p:attrName>
+                                        </p:attrNameLst>
+                                      </p:cBhvr>
+                                      <p:to>
+                                        <p:strVal val="visible"/>
+                                      </p:to>
+                                    </p:set>
+                                    <p:animEffect transition="in" filter="fade">
+                                      <p:cBhvr>
+                                        <p:cTn id="7" dur="500"/>
+                                        <p:tgtEl>
+                                          <p:spTgt spid="3">
+                                            <p:txEl>
+                                              <p:pRg st="0" end="0"/>
+                                            </p:txEl>
+                                          </p:spTgt>
+                                        </p:tgtEl>
+                                      </p:cBhvr>
+                                    </p:animEffect>
+                                  </p:childTnLst>
+                                </p:cTn>
+                              </p:par>
+                            </p:childTnLst>
+                          </p:cTn>
+                        </p:par>
+                      </p:childTnLst>
+                    </p:cTn>
+                  </p:par>
+                  <p:par>
+                    <p:cTn id="8" fill="hold">
+                      <p:stCondLst>
+                        <p:cond delay="indefinite"/>
+                      </p:stCondLst>
+                      <p:childTnLst>
+                        <p:par>
+                          <p:cTn id="9" fill="hold">
+                            <p:stCondLst>
+                              <p:cond delay="0"/>
+                            </p:stCondLst>
+                            <p:childTnLst>
+                              <p:par>
+                                <p:cTn id="10" presetID="10" presetClass="entr" presetSubtype="0" fill="hold" grpId="0" nodeType="clickEffect">
+                                  <p:stCondLst>
+                                    <p:cond delay="0"/>
+                                  </p:stCondLst>
+                                  <p:childTnLst>
+                                    <p:set>
+                                      <p:cBhvr>
+                                        <p:cTn id="11" dur="1" fill="hold">
+                                          <p:stCondLst>
+                                            <p:cond delay="0"/>
+                                          </p:stCondLst>
+                                        </p:cTn>
+                                        <p:tgtEl>
+                                          <p:spTgt spid="3">
+                                            <p:txEl>
+                                              <p:pRg st="1" end="1"/>
+                                            </p:txEl>
+                                          </p:spTgt>
+                                        </p:tgtEl>
+                                        <p:attrNameLst>
+                                          <p:attrName>style.visibility</p:attrName>
+                                        </p:attrNameLst>
+                                      </p:cBhvr>
+                                      <p:to>
+                                        <p:strVal val="visible"/>
+                                      </p:to>
+                                    </p:set>
+                                    <p:animEffect transition="in" filter="fade">
+                                      <p:cBhvr>
+                                        <p:cTn id="12" dur="500"/>
+                                        <p:tgtEl>
+                                          <p:spTgt spid="3">
+                                            <p:txEl>
+                                              <p:pRg st="1" end="1"/>
+                                            </p:txEl>
+                                          </p:spTgt>
+                                        </p:tgtEl>
+                                      </p:cBhvr>
+                                    </p:animEffect>
+                                  </p:childTnLst>
+                                </p:cTn>
+                              </p:par>
+                              <p:par>
+                                <p:cTn id="13" presetID="10" presetClass="entr" presetSubtype="0" fill="hold" grpId="0" nodeType="withEffect">
+                                  <p:stCondLst>
+                                    <p:cond delay="0"/>
+                                  </p:stCondLst>
+                                  <p:childTnLst>
+                                    <p:set>
+                                      <p:cBhvr>
+                                        <p:cTn id="14" dur="1" fill="hold">
+                                          <p:stCondLst>
+                                            <p:cond delay="0"/>
+                                          </p:stCondLst>
+                                        </p:cTn>
+                                        <p:tgtEl>
+                                          <p:spTgt spid="3">
+                                            <p:txEl>
+                                              <p:pRg st="2" end="2"/>
+                                            </p:txEl>
+                                          </p:spTgt>
+                                        </p:tgtEl>
+                                        <p:attrNameLst>
+                                          <p:attrName>style.visibility</p:attrName>
+                                        </p:attrNameLst>
+                                      </p:cBhvr>
+                                      <p:to>
+                                        <p:strVal val="visible"/>
+                                      </p:to>
+                                    </p:set>
+                                    <p:animEffect transition="in" filter="fade">
+                                      <p:cBhvr>
+                                        <p:cTn id="15" dur="500"/>
+                                        <p:tgtEl>
+                                          <p:spTgt spid="3">
+                                            <p:txEl>
+                                              <p:pRg st="2" end="2"/>
+                                            </p:txEl>
+                                          </p:spTgt>
+                                        </p:tgtEl>
+                                      </p:cBhvr>
+                                    </p:animEffect>
+                                  </p:childTnLst>
+                                </p:cTn>
+                              </p:par>
+                              <p:par>
+                                <p:cTn id="16" presetID="10" presetClass="entr" presetSubtype="0" fill="hold" grpId="0" nodeType="withEffect">
+                                  <p:stCondLst>
+                                    <p:cond delay="0"/>
+                                  </p:stCondLst>
+                                  <p:childTnLst>
+                                    <p:set>
+                                      <p:cBhvr>
+                                        <p:cTn id="17" dur="1" fill="hold">
+                                          <p:stCondLst>
+                                            <p:cond delay="0"/>
+                                          </p:stCondLst>
+                                        </p:cTn>
+                                        <p:tgtEl>
+                                          <p:spTgt spid="3">
+                                            <p:txEl>
+                                              <p:pRg st="3" end="3"/>
+                                            </p:txEl>
+                                          </p:spTgt>
+                                        </p:tgtEl>
+                                        <p:attrNameLst>
+                                          <p:attrName>style.visibility</p:attrName>
+                                        </p:attrNameLst>
+                                      </p:cBhvr>
+                                      <p:to>
+                                        <p:strVal val="visible"/>
+                                      </p:to>
+                                    </p:set>
+                                    <p:animEffect transition="in" filter="fade">
+                                      <p:cBhvr>
+                                        <p:cTn id="18" dur="500"/>
+                                        <p:tgtEl>
+                                          <p:spTgt spid="3">
+                                            <p:txEl>
+                                              <p:pRg st="3" end="3"/>
+                                            </p:txEl>
+                                          </p:spTgt>
+                                        </p:tgtEl>
+                                      </p:cBhvr>
+                                    </p:animEffect>
+                                  </p:childTnLst>
+                                </p:cTn>
+                              </p:par>
+                            </p:childTnLst>
+                          </p:cTn>
+                        </p:par>
+                      </p:childTnLst>
+                    </p:cTn>
+                  </p:par>
+                </p:childTnLst>
+              </p:cTn>
+              <p:prevCondLst>
+                <p:cond evt="onPrev" delay="0">
+                  <p:tgtEl>
+                    <p:sldTgt/>
+                  </p:tgtEl>
+                </p:cond>
+              </p:prevCondLst>
+              <p:nextCondLst>
+                <p:cond evt="onNext" delay="0">
+                  <p:tgtEl>
+                    <p:sldTgt/>
+                  </p:tgtEl>
+                </p:cond>
+              </p:nextCondLst>
+            </p:seq>
+          </p:childTnLst>
+        </p:cTn>
+      </p:par>
+    </p:tnLst>
+    <p:bldLst>
+      <p:bldP spid="3" grpId="0" build="p"/>
+    </p:bldLst>
+  </p:timing>
+</p:sld>
+</file>
+
+<file path=ppt/slides/slide7.xml><?xml version="1.0" encoding="utf-8"?>
+<p:sld xmlns:a="http://schemas.openxmlformats.org/drawingml/2006/main" xmlns:r="http://schemas.openxmlformats.org/officeDocument/2006/relationships" xmlns:p="http://schemas.openxmlformats.org/presentationml/2006/main">
+  <p:cSld>
+    <p:spTree>
+      <p:nvGrpSpPr>
+        <p:cNvPr id="1" name=""/>
+        <p:cNvGrpSpPr/>
+        <p:nvPr/>
+      </p:nvGrpSpPr>
+      <p:grpSpPr>
+        <a:xfrm>
+          <a:off x="0" y="0"/>
+          <a:ext cx="0" cy="0"/>
+          <a:chOff x="0" y="0"/>
+          <a:chExt cx="0" cy="0"/>
+        </a:xfrm>
+      </p:grpSpPr>
+      <p:sp>
+        <p:nvSpPr>
+          <p:cNvPr id="2" name="タイトル 1"/>
+          <p:cNvSpPr>
+            <a:spLocks noGrp="1"/>
+          </p:cNvSpPr>
+          <p:nvPr>
+            <p:ph type="title"/>
+          </p:nvPr>
+        </p:nvSpPr>
+        <p:spPr/>
+        <p:txBody>
           <a:bodyPr/>
           <a:lstStyle/>
           <a:p>
+            <a:r>
+              <a:rPr kumimoji="1" lang="ja-JP" altLang="en-US" smtClean="0"/>
+              <a:t>モア子の実現可能性</a:t>
+            </a:r>
+            <a:endParaRPr kumimoji="1" lang="ja-JP" altLang="en-US"/>
+          </a:p>
+        </p:txBody>
+      </p:sp>
+      <p:grpSp>
+        <p:nvGrpSpPr>
+          <p:cNvPr id="25" name="グループ化 24"/>
+          <p:cNvGrpSpPr/>
+          <p:nvPr/>
+        </p:nvGrpSpPr>
+        <p:grpSpPr>
+          <a:xfrm>
+            <a:off x="335218" y="1340768"/>
+            <a:ext cx="7814790" cy="3180086"/>
+            <a:chOff x="335218" y="1340768"/>
+            <a:chExt cx="7814790" cy="3180086"/>
+          </a:xfrm>
+        </p:grpSpPr>
+        <p:sp>
+          <p:nvSpPr>
+            <p:cNvPr id="4" name="正方形/長方形 3"/>
+            <p:cNvSpPr/>
+            <p:nvPr/>
+          </p:nvSpPr>
+          <p:spPr>
+            <a:xfrm>
+              <a:off x="493032" y="2132331"/>
+              <a:ext cx="593761" cy="368487"/>
+            </a:xfrm>
+            <a:prstGeom prst="rect">
+              <a:avLst/>
+            </a:prstGeom>
+            <a:solidFill>
+              <a:srgbClr val="FFFF00"/>
+            </a:solidFill>
+            <a:ln>
+              <a:solidFill>
+                <a:srgbClr val="FF0000"/>
+              </a:solidFill>
+            </a:ln>
+          </p:spPr>
+          <p:style>
+            <a:lnRef idx="2">
+              <a:schemeClr val="accent1">
+                <a:shade val="50000"/>
+              </a:schemeClr>
+            </a:lnRef>
+            <a:fillRef idx="1">
+              <a:schemeClr val="accent1"/>
+            </a:fillRef>
+            <a:effectRef idx="0">
+              <a:schemeClr val="accent1"/>
+            </a:effectRef>
+            <a:fontRef idx="minor">
+              <a:schemeClr val="lt1"/>
+            </a:fontRef>
+          </p:style>
+          <p:txBody>
+            <a:bodyPr rtlCol="0" anchor="ctr"/>
+            <a:lstStyle/>
+            <a:p>
+              <a:pPr algn="ctr"/>
+              <a:endParaRPr kumimoji="1" lang="ja-JP" altLang="en-US">
+                <a:solidFill>
+                  <a:srgbClr val="FF0000"/>
+                </a:solidFill>
+              </a:endParaRPr>
+            </a:p>
+          </p:txBody>
+        </p:sp>
+        <p:pic>
+          <p:nvPicPr>
+            <p:cNvPr id="5" name="Picture 2" descr="C:\Users\umbal\AppData\Local\Microsoft\Windows\INetCache\IE\A1TFOM87\sgi01a201309200100[1].jpg"/>
+            <p:cNvPicPr>
+              <a:picLocks noChangeAspect="1" noChangeArrowheads="1"/>
+            </p:cNvPicPr>
+            <p:nvPr/>
+          </p:nvPicPr>
+          <p:blipFill>
+            <a:blip r:embed="rId2">
+              <a:extLst>
+                <a:ext uri="{28A0092B-C50C-407E-A947-70E740481C1C}">
+                  <a14:useLocalDpi xmlns:a14="http://schemas.microsoft.com/office/drawing/2010/main" val="0"/>
+                </a:ext>
+              </a:extLst>
+            </a:blip>
+            <a:srcRect/>
+            <a:stretch>
+              <a:fillRect/>
+            </a:stretch>
+          </p:blipFill>
+          <p:spPr bwMode="auto">
+            <a:xfrm>
+              <a:off x="1691680" y="1693241"/>
+              <a:ext cx="2286000" cy="2286000"/>
+            </a:xfrm>
+            <a:prstGeom prst="rect">
+              <a:avLst/>
+            </a:prstGeom>
+            <a:noFill/>
+            <a:extLst>
+              <a:ext uri="{909E8E84-426E-40DD-AFC4-6F175D3DCCD1}">
+                <a14:hiddenFill xmlns:a14="http://schemas.microsoft.com/office/drawing/2010/main">
+                  <a:solidFill>
+                    <a:srgbClr val="FFFFFF"/>
+                  </a:solidFill>
+                </a14:hiddenFill>
+              </a:ext>
+            </a:extLst>
+          </p:spPr>
+        </p:pic>
+        <p:grpSp>
+          <p:nvGrpSpPr>
+            <p:cNvPr id="6" name="グループ化 5"/>
+            <p:cNvGrpSpPr/>
+            <p:nvPr/>
+          </p:nvGrpSpPr>
+          <p:grpSpPr>
+            <a:xfrm>
+              <a:off x="4355976" y="1340768"/>
+              <a:ext cx="3794032" cy="2790056"/>
+              <a:chOff x="4612069" y="1457661"/>
+              <a:chExt cx="3794032" cy="2790056"/>
+            </a:xfrm>
+          </p:grpSpPr>
+          <p:pic>
+            <p:nvPicPr>
+              <p:cNvPr id="7" name="Picture 10" descr="C:\Users\umbal\AppData\Local\Microsoft\Windows\INetCache\IE\0F2A98W0\684px-Cartoon_Cloud1.svg[1].png"/>
+              <p:cNvPicPr>
+                <a:picLocks noChangeAspect="1" noChangeArrowheads="1"/>
+              </p:cNvPicPr>
+              <p:nvPr/>
+            </p:nvPicPr>
+            <p:blipFill>
+              <a:blip r:embed="rId3">
+                <a:extLst>
+                  <a:ext uri="{28A0092B-C50C-407E-A947-70E740481C1C}">
+                    <a14:useLocalDpi xmlns:a14="http://schemas.microsoft.com/office/drawing/2010/main" val="0"/>
+                  </a:ext>
+                </a:extLst>
+              </a:blip>
+              <a:srcRect/>
+              <a:stretch>
+                <a:fillRect/>
+              </a:stretch>
+            </p:blipFill>
+            <p:spPr bwMode="auto">
+              <a:xfrm>
+                <a:off x="4612069" y="1457661"/>
+                <a:ext cx="3794032" cy="2790056"/>
+              </a:xfrm>
+              <a:prstGeom prst="rect">
+                <a:avLst/>
+              </a:prstGeom>
+              <a:noFill/>
+              <a:extLst>
+                <a:ext uri="{909E8E84-426E-40DD-AFC4-6F175D3DCCD1}">
+                  <a14:hiddenFill xmlns:a14="http://schemas.microsoft.com/office/drawing/2010/main">
+                    <a:solidFill>
+                      <a:srgbClr val="FFFFFF"/>
+                    </a:solidFill>
+                  </a14:hiddenFill>
+                </a:ext>
+              </a:extLst>
+            </p:spPr>
+          </p:pic>
+          <p:sp>
+            <p:nvSpPr>
+              <p:cNvPr id="8" name="テキスト ボックス 7"/>
+              <p:cNvSpPr txBox="1"/>
+              <p:nvPr/>
+            </p:nvSpPr>
+            <p:spPr>
+              <a:xfrm>
+                <a:off x="5104929" y="2382142"/>
+                <a:ext cx="2808311" cy="461665"/>
+              </a:xfrm>
+              <a:prstGeom prst="rect">
+                <a:avLst/>
+              </a:prstGeom>
+              <a:noFill/>
+            </p:spPr>
+            <p:txBody>
+              <a:bodyPr wrap="square" rtlCol="0">
+                <a:spAutoFit/>
+              </a:bodyPr>
+              <a:lstStyle/>
+              <a:p>
+                <a:r>
+                  <a:rPr kumimoji="1" lang="ja-JP" altLang="en-US" sz="2400" b="1" smtClean="0">
+                    <a:solidFill>
+                      <a:schemeClr val="bg1">
+                        <a:lumMod val="50000"/>
+                      </a:schemeClr>
+                    </a:solidFill>
+                  </a:rPr>
+                  <a:t>多言語データベース</a:t>
+                </a:r>
+                <a:endParaRPr kumimoji="1" lang="ja-JP" altLang="en-US" sz="2400" b="1">
+                  <a:solidFill>
+                    <a:schemeClr val="bg1">
+                      <a:lumMod val="50000"/>
+                    </a:schemeClr>
+                  </a:solidFill>
+                </a:endParaRPr>
+              </a:p>
+            </p:txBody>
+          </p:sp>
+        </p:grpSp>
+        <p:sp>
+          <p:nvSpPr>
+            <p:cNvPr id="15" name="正方形/長方形 14"/>
+            <p:cNvSpPr/>
+            <p:nvPr/>
+          </p:nvSpPr>
+          <p:spPr>
+            <a:xfrm>
+              <a:off x="5378837" y="2903359"/>
+              <a:ext cx="1646605" cy="738664"/>
+            </a:xfrm>
+            <a:prstGeom prst="rect">
+              <a:avLst/>
+            </a:prstGeom>
+          </p:spPr>
+          <p:txBody>
+            <a:bodyPr wrap="none">
+              <a:spAutoFit/>
+            </a:bodyPr>
+            <a:lstStyle/>
+            <a:p>
+              <a:r>
+                <a:rPr lang="ja-JP" altLang="en-US" sz="1400">
+                  <a:latin typeface="+mn-ea"/>
+                </a:rPr>
+                <a:t>ナレッジコミュニティ</a:t>
+              </a:r>
+            </a:p>
+            <a:p>
+              <a:r>
+                <a:rPr lang="ja-JP" altLang="en-US" sz="1400" smtClean="0">
+                  <a:latin typeface="+mn-ea"/>
+                </a:rPr>
+                <a:t>・ﾍﾞｽﾄｱﾝｻｰ選び</a:t>
+              </a:r>
+              <a:endParaRPr lang="en-US" altLang="ja-JP" sz="1400" smtClean="0">
+                <a:latin typeface="+mn-ea"/>
+              </a:endParaRPr>
+            </a:p>
+            <a:p>
+              <a:r>
+                <a:rPr lang="ja-JP" altLang="en-US" sz="1400" smtClean="0">
+                  <a:latin typeface="+mn-ea"/>
+                </a:rPr>
+                <a:t>・専門家回答</a:t>
+              </a:r>
+              <a:endParaRPr lang="ja-JP" altLang="en-US" sz="1400">
+                <a:latin typeface="+mn-ea"/>
+              </a:endParaRPr>
+            </a:p>
+          </p:txBody>
+        </p:sp>
+        <p:sp>
+          <p:nvSpPr>
+            <p:cNvPr id="16" name="ストライプ矢印 15"/>
+            <p:cNvSpPr/>
+            <p:nvPr/>
+          </p:nvSpPr>
+          <p:spPr>
+            <a:xfrm rot="10800000">
+              <a:off x="3475220" y="2449117"/>
+              <a:ext cx="1004918" cy="774247"/>
+            </a:xfrm>
+            <a:prstGeom prst="stripedRightArrow">
+              <a:avLst/>
+            </a:prstGeom>
+            <a:noFill/>
+            <a:ln>
+              <a:solidFill>
+                <a:schemeClr val="tx1"/>
+              </a:solidFill>
+            </a:ln>
+          </p:spPr>
+          <p:style>
+            <a:lnRef idx="2">
+              <a:schemeClr val="accent1">
+                <a:shade val="50000"/>
+              </a:schemeClr>
+            </a:lnRef>
+            <a:fillRef idx="1">
+              <a:schemeClr val="accent1"/>
+            </a:fillRef>
+            <a:effectRef idx="0">
+              <a:schemeClr val="accent1"/>
+            </a:effectRef>
+            <a:fontRef idx="minor">
+              <a:schemeClr val="lt1"/>
+            </a:fontRef>
+          </p:style>
+          <p:txBody>
+            <a:bodyPr rtlCol="0" anchor="ctr"/>
+            <a:lstStyle/>
+            <a:p>
+              <a:pPr algn="ctr"/>
+              <a:endParaRPr kumimoji="1" lang="ja-JP" altLang="en-US"/>
+            </a:p>
+          </p:txBody>
+        </p:sp>
+        <p:sp>
+          <p:nvSpPr>
+            <p:cNvPr id="17" name="テキスト ボックス 16"/>
+            <p:cNvSpPr txBox="1"/>
+            <p:nvPr/>
+          </p:nvSpPr>
+          <p:spPr>
+            <a:xfrm>
+              <a:off x="335218" y="2540473"/>
+              <a:ext cx="872355" cy="307777"/>
+            </a:xfrm>
+            <a:prstGeom prst="rect">
+              <a:avLst/>
+            </a:prstGeom>
+            <a:noFill/>
+          </p:spPr>
+          <p:txBody>
+            <a:bodyPr wrap="none" rtlCol="0">
+              <a:spAutoFit/>
+            </a:bodyPr>
+            <a:lstStyle/>
+            <a:p>
+              <a:r>
+                <a:rPr kumimoji="1" lang="ja-JP" altLang="en-US" sz="1400" smtClean="0"/>
+                <a:t>ﾃﾞｨｽﾌﾟﾚｲ</a:t>
+              </a:r>
+              <a:endParaRPr kumimoji="1" lang="ja-JP" altLang="en-US" sz="1400"/>
+            </a:p>
+          </p:txBody>
+        </p:sp>
+        <p:pic>
+          <p:nvPicPr>
+            <p:cNvPr id="19" name="Picture 10" descr="C:\Users\umbal\AppData\Local\Microsoft\Windows\INetCache\IE\0F2A98W0\wireless[1].jpg"/>
+            <p:cNvPicPr>
+              <a:picLocks noChangeAspect="1" noChangeArrowheads="1"/>
+            </p:cNvPicPr>
+            <p:nvPr/>
+          </p:nvPicPr>
+          <p:blipFill>
+            <a:blip r:embed="rId4" cstate="print">
+              <a:extLst>
+                <a:ext uri="{28A0092B-C50C-407E-A947-70E740481C1C}">
+                  <a14:useLocalDpi xmlns:a14="http://schemas.microsoft.com/office/drawing/2010/main" val="0"/>
+                </a:ext>
+              </a:extLst>
+            </a:blip>
+            <a:srcRect/>
+            <a:stretch>
+              <a:fillRect/>
+            </a:stretch>
+          </p:blipFill>
+          <p:spPr bwMode="auto">
+            <a:xfrm rot="16200000">
+              <a:off x="1231397" y="1868909"/>
+              <a:ext cx="936120" cy="980728"/>
+            </a:xfrm>
+            <a:prstGeom prst="rect">
+              <a:avLst/>
+            </a:prstGeom>
+            <a:noFill/>
+            <a:extLst>
+              <a:ext uri="{909E8E84-426E-40DD-AFC4-6F175D3DCCD1}">
+                <a14:hiddenFill xmlns:a14="http://schemas.microsoft.com/office/drawing/2010/main">
+                  <a:solidFill>
+                    <a:srgbClr val="FFFFFF"/>
+                  </a:solidFill>
+                </a14:hiddenFill>
+              </a:ext>
+            </a:extLst>
+          </p:spPr>
+        </p:pic>
+        <p:sp>
+          <p:nvSpPr>
+            <p:cNvPr id="20" name="テキスト ボックス 19"/>
+            <p:cNvSpPr txBox="1"/>
+            <p:nvPr/>
+          </p:nvSpPr>
+          <p:spPr>
+            <a:xfrm>
+              <a:off x="1547664" y="3566747"/>
+              <a:ext cx="1531188" cy="954107"/>
+            </a:xfrm>
+            <a:prstGeom prst="rect">
+              <a:avLst/>
+            </a:prstGeom>
+            <a:noFill/>
+          </p:spPr>
+          <p:txBody>
+            <a:bodyPr wrap="none" rtlCol="0">
+              <a:spAutoFit/>
+            </a:bodyPr>
+            <a:lstStyle/>
+            <a:p>
+              <a:r>
+                <a:rPr kumimoji="1" lang="ja-JP" altLang="en-US" sz="1400" smtClean="0"/>
+                <a:t>アプリ</a:t>
+              </a:r>
+              <a:endParaRPr kumimoji="1" lang="en-US" altLang="ja-JP" sz="1400" smtClean="0"/>
+            </a:p>
+            <a:p>
+              <a:r>
+                <a:rPr lang="ja-JP" altLang="en-US" sz="1400" smtClean="0"/>
+                <a:t>・検索</a:t>
+              </a:r>
+              <a:endParaRPr lang="en-US" altLang="ja-JP" sz="1400" smtClean="0"/>
+            </a:p>
+            <a:p>
+              <a:r>
+                <a:rPr kumimoji="1" lang="ja-JP" altLang="en-US" sz="1400" smtClean="0"/>
+                <a:t>・言語／文言選択</a:t>
+              </a:r>
+              <a:endParaRPr kumimoji="1" lang="en-US" altLang="ja-JP" sz="1400" smtClean="0"/>
+            </a:p>
+            <a:p>
+              <a:r>
+                <a:rPr lang="ja-JP" altLang="en-US" sz="1400" smtClean="0"/>
+                <a:t>・ﾃﾞｨｽﾌﾟﾚｲへ発信</a:t>
+              </a:r>
+              <a:endParaRPr kumimoji="1" lang="ja-JP" altLang="en-US" sz="1400"/>
+            </a:p>
+          </p:txBody>
+        </p:sp>
+      </p:grpSp>
+      <p:sp>
+        <p:nvSpPr>
+          <p:cNvPr id="21" name="テキスト ボックス 20"/>
+          <p:cNvSpPr txBox="1"/>
+          <p:nvPr/>
+        </p:nvSpPr>
+        <p:spPr>
+          <a:xfrm>
+            <a:off x="3655049" y="2132331"/>
+            <a:ext cx="906017" cy="307777"/>
+          </a:xfrm>
+          <a:prstGeom prst="rect">
+            <a:avLst/>
+          </a:prstGeom>
+          <a:noFill/>
+        </p:spPr>
+        <p:txBody>
+          <a:bodyPr wrap="none" rtlCol="0">
+            <a:spAutoFit/>
+          </a:bodyPr>
+          <a:lstStyle/>
+          <a:p>
+            <a:r>
+              <a:rPr kumimoji="1" lang="ja-JP" altLang="en-US" sz="1400" smtClean="0"/>
+              <a:t>ﾃﾞｰﾀ更新</a:t>
+            </a:r>
+            <a:endParaRPr kumimoji="1" lang="ja-JP" altLang="en-US" sz="1400"/>
+          </a:p>
+        </p:txBody>
+      </p:sp>
+      <p:grpSp>
+        <p:nvGrpSpPr>
+          <p:cNvPr id="26" name="グループ化 25"/>
+          <p:cNvGrpSpPr/>
+          <p:nvPr/>
+        </p:nvGrpSpPr>
+        <p:grpSpPr>
+          <a:xfrm>
+            <a:off x="2119164" y="2932287"/>
+            <a:ext cx="3717032" cy="3565593"/>
+            <a:chOff x="2119164" y="2932287"/>
+            <a:chExt cx="3717032" cy="3565593"/>
+          </a:xfrm>
+        </p:grpSpPr>
+        <p:pic>
+          <p:nvPicPr>
+            <p:cNvPr id="9" name="Picture 2" descr="C:\Users\umbal\AppData\Local\Microsoft\Windows\INetCache\IE\0F2A98W0\smartphone[1].jpg"/>
+            <p:cNvPicPr>
+              <a:picLocks noChangeAspect="1" noChangeArrowheads="1"/>
+            </p:cNvPicPr>
+            <p:nvPr/>
+          </p:nvPicPr>
+          <p:blipFill>
+            <a:blip r:embed="rId5" cstate="print">
+              <a:extLst>
+                <a:ext uri="{28A0092B-C50C-407E-A947-70E740481C1C}">
+                  <a14:useLocalDpi xmlns:a14="http://schemas.microsoft.com/office/drawing/2010/main" val="0"/>
+                </a:ext>
+              </a:extLst>
+            </a:blip>
+            <a:srcRect/>
+            <a:stretch>
+              <a:fillRect/>
+            </a:stretch>
+          </p:blipFill>
+          <p:spPr bwMode="auto">
+            <a:xfrm>
+              <a:off x="3491880" y="5047719"/>
+              <a:ext cx="1886957" cy="1450161"/>
+            </a:xfrm>
+            <a:prstGeom prst="rect">
+              <a:avLst/>
+            </a:prstGeom>
+            <a:noFill/>
+            <a:extLst>
+              <a:ext uri="{909E8E84-426E-40DD-AFC4-6F175D3DCCD1}">
+                <a14:hiddenFill xmlns:a14="http://schemas.microsoft.com/office/drawing/2010/main">
+                  <a:solidFill>
+                    <a:srgbClr val="FFFFFF"/>
+                  </a:solidFill>
+                </a14:hiddenFill>
+              </a:ext>
+            </a:extLst>
+          </p:spPr>
+        </p:pic>
+        <p:pic>
+          <p:nvPicPr>
+            <p:cNvPr id="11" name="Picture 5" descr="C:\Users\umbal\AppData\Local\Microsoft\Windows\INetCache\IE\QYM22M0J\curved-arrow[1].png"/>
+            <p:cNvPicPr>
+              <a:picLocks noChangeAspect="1" noChangeArrowheads="1"/>
+            </p:cNvPicPr>
+            <p:nvPr/>
+          </p:nvPicPr>
+          <p:blipFill>
+            <a:blip r:embed="rId6" cstate="print">
+              <a:extLst>
+                <a:ext uri="{28A0092B-C50C-407E-A947-70E740481C1C}">
+                  <a14:useLocalDpi xmlns:a14="http://schemas.microsoft.com/office/drawing/2010/main" val="0"/>
+                </a:ext>
+              </a:extLst>
+            </a:blip>
+            <a:srcRect/>
+            <a:stretch>
+              <a:fillRect/>
+            </a:stretch>
+          </p:blipFill>
+          <p:spPr bwMode="auto">
+            <a:xfrm rot="4185081">
+              <a:off x="3025595" y="3042824"/>
+              <a:ext cx="1904169" cy="3717032"/>
+            </a:xfrm>
+            <a:prstGeom prst="rect">
+              <a:avLst/>
+            </a:prstGeom>
+            <a:noFill/>
+            <a:extLst>
+              <a:ext uri="{909E8E84-426E-40DD-AFC4-6F175D3DCCD1}">
+                <a14:hiddenFill xmlns:a14="http://schemas.microsoft.com/office/drawing/2010/main">
+                  <a:solidFill>
+                    <a:srgbClr val="FFFFFF"/>
+                  </a:solidFill>
+                </a14:hiddenFill>
+              </a:ext>
+            </a:extLst>
+          </p:spPr>
+        </p:pic>
+        <p:sp>
+          <p:nvSpPr>
+            <p:cNvPr id="12" name="テキスト ボックス 11"/>
+            <p:cNvSpPr txBox="1"/>
+            <p:nvPr/>
+          </p:nvSpPr>
+          <p:spPr>
+            <a:xfrm rot="18876317">
+              <a:off x="2762070" y="4037106"/>
+              <a:ext cx="3072251" cy="862614"/>
+            </a:xfrm>
+            <a:prstGeom prst="rect">
+              <a:avLst/>
+            </a:prstGeom>
+            <a:noFill/>
+          </p:spPr>
+          <p:txBody>
+            <a:bodyPr wrap="none" rtlCol="0">
+              <a:prstTxWarp prst="textArchUp">
+                <a:avLst>
+                  <a:gd name="adj" fmla="val 10762762"/>
+                </a:avLst>
+              </a:prstTxWarp>
+              <a:spAutoFit/>
+            </a:bodyPr>
+            <a:lstStyle/>
+            <a:p>
+              <a:r>
+                <a:rPr kumimoji="1" lang="en-US" altLang="ja-JP" smtClean="0">
+                  <a:solidFill>
+                    <a:srgbClr val="FF0000"/>
+                  </a:solidFill>
+                </a:rPr>
+                <a:t>How to say $#&amp;% in Japanese?</a:t>
+              </a:r>
+              <a:endParaRPr kumimoji="1" lang="ja-JP" altLang="en-US">
+                <a:solidFill>
+                  <a:srgbClr val="FF0000"/>
+                </a:solidFill>
+              </a:endParaRPr>
+            </a:p>
+          </p:txBody>
+        </p:sp>
+      </p:grpSp>
+      <p:grpSp>
+        <p:nvGrpSpPr>
+          <p:cNvPr id="27" name="グループ化 26"/>
+          <p:cNvGrpSpPr/>
+          <p:nvPr/>
+        </p:nvGrpSpPr>
+        <p:grpSpPr>
+          <a:xfrm>
+            <a:off x="6444208" y="3271422"/>
+            <a:ext cx="1944169" cy="3259838"/>
+            <a:chOff x="6444208" y="3271422"/>
+            <a:chExt cx="1944169" cy="3259838"/>
+          </a:xfrm>
+        </p:grpSpPr>
+        <p:pic>
+          <p:nvPicPr>
+            <p:cNvPr id="10" name="Picture 4" descr="C:\Users\umbal\AppData\Local\Microsoft\Windows\INetCache\IE\A1TFOM87\depressed15[1].jpg"/>
+            <p:cNvPicPr>
+              <a:picLocks noChangeAspect="1" noChangeArrowheads="1"/>
+            </p:cNvPicPr>
+            <p:nvPr/>
+          </p:nvPicPr>
+          <p:blipFill>
+            <a:blip r:embed="rId7" cstate="print">
+              <a:extLst>
+                <a:ext uri="{28A0092B-C50C-407E-A947-70E740481C1C}">
+                  <a14:useLocalDpi xmlns:a14="http://schemas.microsoft.com/office/drawing/2010/main" val="0"/>
+                </a:ext>
+              </a:extLst>
+            </a:blip>
+            <a:srcRect/>
+            <a:stretch>
+              <a:fillRect/>
+            </a:stretch>
+          </p:blipFill>
+          <p:spPr bwMode="auto">
+            <a:xfrm>
+              <a:off x="6444208" y="5022357"/>
+              <a:ext cx="1938334" cy="1450161"/>
+            </a:xfrm>
+            <a:prstGeom prst="rect">
+              <a:avLst/>
+            </a:prstGeom>
+            <a:noFill/>
+            <a:extLst>
+              <a:ext uri="{909E8E84-426E-40DD-AFC4-6F175D3DCCD1}">
+                <a14:hiddenFill xmlns:a14="http://schemas.microsoft.com/office/drawing/2010/main">
+                  <a:solidFill>
+                    <a:srgbClr val="FFFFFF"/>
+                  </a:solidFill>
+                </a14:hiddenFill>
+              </a:ext>
+            </a:extLst>
+          </p:spPr>
+        </p:pic>
+        <p:pic>
+          <p:nvPicPr>
+            <p:cNvPr id="13" name="Picture 6" descr="C:\Users\umbal\AppData\Local\Microsoft\Windows\INetCache\IE\AUIHVLLQ\arrow-curved-blue[1].png"/>
+            <p:cNvPicPr>
+              <a:picLocks noChangeAspect="1" noChangeArrowheads="1"/>
+            </p:cNvPicPr>
+            <p:nvPr/>
+          </p:nvPicPr>
+          <p:blipFill>
+            <a:blip r:embed="rId8" cstate="print">
+              <a:extLst>
+                <a:ext uri="{28A0092B-C50C-407E-A947-70E740481C1C}">
+                  <a14:useLocalDpi xmlns:a14="http://schemas.microsoft.com/office/drawing/2010/main" val="0"/>
+                </a:ext>
+              </a:extLst>
+            </a:blip>
+            <a:srcRect/>
+            <a:stretch>
+              <a:fillRect/>
+            </a:stretch>
+          </p:blipFill>
+          <p:spPr bwMode="auto">
+            <a:xfrm rot="14611985" flipV="1">
+              <a:off x="6249312" y="4520891"/>
+              <a:ext cx="3259838" cy="760899"/>
+            </a:xfrm>
+            <a:prstGeom prst="rect">
+              <a:avLst/>
+            </a:prstGeom>
+            <a:noFill/>
+            <a:extLst>
+              <a:ext uri="{909E8E84-426E-40DD-AFC4-6F175D3DCCD1}">
+                <a14:hiddenFill xmlns:a14="http://schemas.microsoft.com/office/drawing/2010/main">
+                  <a:solidFill>
+                    <a:srgbClr val="FFFFFF"/>
+                  </a:solidFill>
+                </a14:hiddenFill>
+              </a:ext>
+            </a:extLst>
+          </p:spPr>
+        </p:pic>
+        <p:sp>
+          <p:nvSpPr>
+            <p:cNvPr id="14" name="テキスト ボックス 13"/>
+            <p:cNvSpPr txBox="1"/>
+            <p:nvPr/>
+          </p:nvSpPr>
+          <p:spPr>
+            <a:xfrm rot="3681272">
+              <a:off x="7188048" y="4639259"/>
+              <a:ext cx="2031325" cy="369332"/>
+            </a:xfrm>
+            <a:prstGeom prst="rect">
+              <a:avLst/>
+            </a:prstGeom>
+            <a:noFill/>
+          </p:spPr>
+          <p:txBody>
+            <a:bodyPr wrap="none" rtlCol="0">
+              <a:prstTxWarp prst="textArchUp">
+                <a:avLst>
+                  <a:gd name="adj" fmla="val 10860292"/>
+                </a:avLst>
+              </a:prstTxWarp>
+              <a:spAutoFit/>
+            </a:bodyPr>
+            <a:lstStyle/>
+            <a:p>
+              <a:r>
+                <a:rPr kumimoji="1" lang="ja-JP" altLang="en-US" smtClean="0">
+                  <a:solidFill>
+                    <a:srgbClr val="00B0F0"/>
+                  </a:solidFill>
+                </a:rPr>
+                <a:t>回答は</a:t>
+              </a:r>
+              <a:r>
+                <a:rPr lang="ja-JP" altLang="en-US" smtClean="0">
+                  <a:solidFill>
+                    <a:srgbClr val="00B0F0"/>
+                  </a:solidFill>
+                </a:rPr>
+                <a:t>「％＆＃＄」</a:t>
+              </a:r>
+              <a:endParaRPr kumimoji="1" lang="ja-JP" altLang="en-US">
+                <a:solidFill>
+                  <a:srgbClr val="00B0F0"/>
+                </a:solidFill>
+              </a:endParaRPr>
+            </a:p>
+          </p:txBody>
+        </p:sp>
+      </p:grpSp>
+      <p:grpSp>
+        <p:nvGrpSpPr>
+          <p:cNvPr id="31" name="グループ化 30"/>
+          <p:cNvGrpSpPr/>
+          <p:nvPr/>
+        </p:nvGrpSpPr>
+        <p:grpSpPr>
+          <a:xfrm>
+            <a:off x="353650" y="4362260"/>
+            <a:ext cx="2777901" cy="2128461"/>
+            <a:chOff x="353650" y="4362260"/>
+            <a:chExt cx="2777901" cy="2128461"/>
+          </a:xfrm>
+        </p:grpSpPr>
+        <p:sp>
+          <p:nvSpPr>
+            <p:cNvPr id="29" name="正方形/長方形 28"/>
+            <p:cNvSpPr/>
+            <p:nvPr/>
+          </p:nvSpPr>
+          <p:spPr>
+            <a:xfrm>
+              <a:off x="353650" y="4362260"/>
+              <a:ext cx="880369" cy="923330"/>
+            </a:xfrm>
+            <a:prstGeom prst="rect">
+              <a:avLst/>
+            </a:prstGeom>
+            <a:noFill/>
+          </p:spPr>
+          <p:txBody>
+            <a:bodyPr wrap="none" lIns="91440" tIns="45720" rIns="91440" bIns="45720">
+              <a:spAutoFit/>
+              <a:scene3d>
+                <a:camera prst="orthographicFront"/>
+                <a:lightRig rig="glow" dir="tl">
+                  <a:rot lat="0" lon="0" rev="5400000"/>
+                </a:lightRig>
+              </a:scene3d>
+              <a:sp3d contourW="12700">
+                <a:bevelT w="25400" h="25400"/>
+                <a:contourClr>
+                  <a:schemeClr val="accent6">
+                    <a:shade val="73000"/>
+                  </a:schemeClr>
+                </a:contourClr>
+              </a:sp3d>
+            </a:bodyPr>
+            <a:lstStyle/>
+            <a:p>
+              <a:pPr algn="ctr"/>
+              <a:r>
+                <a:rPr lang="ja-JP" altLang="en-US" sz="5400" b="1" cap="none" spc="0" smtClean="0">
+                  <a:ln w="11430"/>
+                  <a:gradFill>
+                    <a:gsLst>
+                      <a:gs pos="0">
+                        <a:schemeClr val="accent6">
+                          <a:tint val="90000"/>
+                          <a:satMod val="120000"/>
+                        </a:schemeClr>
+                      </a:gs>
+                      <a:gs pos="25000">
+                        <a:schemeClr val="accent6">
+                          <a:tint val="93000"/>
+                          <a:satMod val="120000"/>
+                        </a:schemeClr>
+                      </a:gs>
+                      <a:gs pos="50000">
+                        <a:schemeClr val="accent6">
+                          <a:shade val="89000"/>
+                          <a:satMod val="110000"/>
+                        </a:schemeClr>
+                      </a:gs>
+                      <a:gs pos="75000">
+                        <a:schemeClr val="accent6">
+                          <a:tint val="93000"/>
+                          <a:satMod val="120000"/>
+                        </a:schemeClr>
+                      </a:gs>
+                      <a:gs pos="100000">
+                        <a:schemeClr val="accent6">
+                          <a:tint val="90000"/>
+                          <a:satMod val="120000"/>
+                        </a:schemeClr>
+                      </a:gs>
+                    </a:gsLst>
+                    <a:lin ang="5400000"/>
+                  </a:gradFill>
+                  <a:effectLst>
+                    <a:outerShdw blurRad="80000" dist="40000" dir="5040000" algn="tl">
+                      <a:srgbClr val="000000">
+                        <a:alpha val="30000"/>
+                      </a:srgbClr>
+                    </a:outerShdw>
+                  </a:effectLst>
+                </a:rPr>
+                <a:t>＄</a:t>
+              </a:r>
+              <a:endParaRPr lang="ja-JP" altLang="en-US" sz="5400" b="1" cap="none" spc="0">
+                <a:ln w="11430"/>
+                <a:gradFill>
+                  <a:gsLst>
+                    <a:gs pos="0">
+                      <a:schemeClr val="accent6">
+                        <a:tint val="90000"/>
+                        <a:satMod val="120000"/>
+                      </a:schemeClr>
+                    </a:gs>
+                    <a:gs pos="25000">
+                      <a:schemeClr val="accent6">
+                        <a:tint val="93000"/>
+                        <a:satMod val="120000"/>
+                      </a:schemeClr>
+                    </a:gs>
+                    <a:gs pos="50000">
+                      <a:schemeClr val="accent6">
+                        <a:shade val="89000"/>
+                        <a:satMod val="110000"/>
+                      </a:schemeClr>
+                    </a:gs>
+                    <a:gs pos="75000">
+                      <a:schemeClr val="accent6">
+                        <a:tint val="93000"/>
+                        <a:satMod val="120000"/>
+                      </a:schemeClr>
+                    </a:gs>
+                    <a:gs pos="100000">
+                      <a:schemeClr val="accent6">
+                        <a:tint val="90000"/>
+                        <a:satMod val="120000"/>
+                      </a:schemeClr>
+                    </a:gs>
+                  </a:gsLst>
+                  <a:lin ang="5400000"/>
+                </a:gradFill>
+                <a:effectLst>
+                  <a:outerShdw blurRad="80000" dist="40000" dir="5040000" algn="tl">
+                    <a:srgbClr val="000000">
+                      <a:alpha val="30000"/>
+                    </a:srgbClr>
+                  </a:outerShdw>
+                </a:effectLst>
+              </a:endParaRPr>
+            </a:p>
+          </p:txBody>
+        </p:sp>
+        <p:sp>
+          <p:nvSpPr>
+            <p:cNvPr id="28" name="テキスト ボックス 27"/>
+            <p:cNvSpPr txBox="1"/>
+            <p:nvPr/>
+          </p:nvSpPr>
+          <p:spPr>
+            <a:xfrm>
+              <a:off x="493032" y="5167282"/>
+              <a:ext cx="2638519" cy="1323439"/>
+            </a:xfrm>
+            <a:prstGeom prst="rect">
+              <a:avLst/>
+            </a:prstGeom>
+            <a:noFill/>
+          </p:spPr>
+          <p:txBody>
+            <a:bodyPr wrap="square" rtlCol="0">
+              <a:spAutoFit/>
+            </a:bodyPr>
+            <a:lstStyle/>
+            <a:p>
+              <a:r>
+                <a:rPr lang="ja-JP" altLang="en-US" sz="1600" smtClean="0">
+                  <a:solidFill>
+                    <a:schemeClr val="accent6">
+                      <a:lumMod val="50000"/>
+                    </a:schemeClr>
+                  </a:solidFill>
+                </a:rPr>
+                <a:t>費用：</a:t>
+              </a:r>
+              <a:endParaRPr lang="en-US" altLang="ja-JP" sz="1600" smtClean="0">
+                <a:solidFill>
+                  <a:schemeClr val="accent6">
+                    <a:lumMod val="50000"/>
+                  </a:schemeClr>
+                </a:solidFill>
+              </a:endParaRPr>
+            </a:p>
+            <a:p>
+              <a:r>
+                <a:rPr kumimoji="1" lang="ja-JP" altLang="en-US" sz="1600" smtClean="0">
+                  <a:solidFill>
+                    <a:schemeClr val="accent6">
+                      <a:lumMod val="50000"/>
+                    </a:schemeClr>
+                  </a:solidFill>
+                </a:rPr>
+                <a:t>・スマホ：皆持ち</a:t>
+              </a:r>
+              <a:endParaRPr kumimoji="1" lang="en-US" altLang="ja-JP" sz="1600" smtClean="0">
+                <a:solidFill>
+                  <a:schemeClr val="accent6">
+                    <a:lumMod val="50000"/>
+                  </a:schemeClr>
+                </a:solidFill>
+              </a:endParaRPr>
+            </a:p>
+            <a:p>
+              <a:r>
+                <a:rPr kumimoji="1" lang="ja-JP" altLang="en-US" sz="1600" smtClean="0">
+                  <a:solidFill>
+                    <a:schemeClr val="accent6">
+                      <a:lumMod val="50000"/>
+                    </a:schemeClr>
+                  </a:solidFill>
+                </a:rPr>
+                <a:t>・ｽﾏｰﾄｳｫｯﾁ</a:t>
+              </a:r>
+              <a:r>
+                <a:rPr kumimoji="1" lang="en-US" altLang="ja-JP" sz="1600" smtClean="0">
+                  <a:solidFill>
+                    <a:schemeClr val="accent6">
+                      <a:lumMod val="50000"/>
+                    </a:schemeClr>
+                  </a:solidFill>
+                </a:rPr>
+                <a:t/>
+              </a:r>
+              <a:br>
+                <a:rPr kumimoji="1" lang="en-US" altLang="ja-JP" sz="1600" smtClean="0">
+                  <a:solidFill>
+                    <a:schemeClr val="accent6">
+                      <a:lumMod val="50000"/>
+                    </a:schemeClr>
+                  </a:solidFill>
+                </a:rPr>
+              </a:br>
+              <a:r>
+                <a:rPr kumimoji="1" lang="ja-JP" altLang="en-US" sz="1600" smtClean="0">
+                  <a:solidFill>
+                    <a:schemeClr val="accent6">
+                      <a:lumMod val="50000"/>
+                    </a:schemeClr>
+                  </a:solidFill>
+                </a:rPr>
+                <a:t>　若しくは</a:t>
+              </a:r>
+              <a:r>
+                <a:rPr kumimoji="1" lang="en-US" altLang="ja-JP" sz="1600" smtClean="0">
+                  <a:solidFill>
+                    <a:schemeClr val="accent6">
+                      <a:lumMod val="50000"/>
+                    </a:schemeClr>
+                  </a:solidFill>
+                </a:rPr>
+                <a:t/>
+              </a:r>
+              <a:br>
+                <a:rPr kumimoji="1" lang="en-US" altLang="ja-JP" sz="1600" smtClean="0">
+                  <a:solidFill>
+                    <a:schemeClr val="accent6">
+                      <a:lumMod val="50000"/>
+                    </a:schemeClr>
+                  </a:solidFill>
+                </a:rPr>
+              </a:br>
+              <a:r>
+                <a:rPr kumimoji="1" lang="ja-JP" altLang="en-US" sz="1600" smtClean="0">
+                  <a:solidFill>
+                    <a:schemeClr val="accent6">
+                      <a:lumMod val="50000"/>
+                    </a:schemeClr>
+                  </a:solidFill>
+                </a:rPr>
+                <a:t>　専用ﾃﾞｨﾌﾟﾚｲ（原価２千円）</a:t>
+              </a:r>
+              <a:endParaRPr kumimoji="1" lang="ja-JP" altLang="en-US" sz="1600">
+                <a:solidFill>
+                  <a:schemeClr val="accent6">
+                    <a:lumMod val="50000"/>
+                  </a:schemeClr>
+                </a:solidFill>
+              </a:endParaRPr>
+            </a:p>
+          </p:txBody>
+        </p:sp>
+      </p:grpSp>
+    </p:spTree>
+    <p:extLst>
+      <p:ext uri="{BB962C8B-B14F-4D97-AF65-F5344CB8AC3E}">
+        <p14:creationId xmlns:p14="http://schemas.microsoft.com/office/powerpoint/2010/main" val="522709331"/>
+      </p:ext>
+    </p:extLst>
+  </p:cSld>
+  <p:clrMapOvr>
+    <a:masterClrMapping/>
+  </p:clrMapOvr>
+  <p:timing>
+    <p:tnLst>
+      <p:par>
+        <p:cTn id="1" dur="indefinite" restart="never" nodeType="tmRoot">
+          <p:childTnLst>
+            <p:seq concurrent="1" nextAc="seek">
+              <p:cTn id="2" dur="indefinite" nodeType="mainSeq">
+                <p:childTnLst>
+                  <p:par>
+                    <p:cTn id="3" fill="hold">
+                      <p:stCondLst>
+                        <p:cond delay="indefinite"/>
+                      </p:stCondLst>
+                      <p:childTnLst>
+                        <p:par>
+                          <p:cTn id="4" fill="hold">
+                            <p:stCondLst>
+                              <p:cond delay="0"/>
+                            </p:stCondLst>
+                            <p:childTnLst>
+                              <p:par>
+                                <p:cTn id="5" presetID="10" presetClass="entr" presetSubtype="0" fill="hold" nodeType="clickEffect">
+                                  <p:stCondLst>
+                                    <p:cond delay="0"/>
+                                  </p:stCondLst>
+                                  <p:childTnLst>
+                                    <p:set>
+                                      <p:cBhvr>
+                                        <p:cTn id="6" dur="1" fill="hold">
+                                          <p:stCondLst>
+                                            <p:cond delay="0"/>
+                                          </p:stCondLst>
+                                        </p:cTn>
+                                        <p:tgtEl>
+                                          <p:spTgt spid="26"/>
+                                        </p:tgtEl>
+                                        <p:attrNameLst>
+                                          <p:attrName>style.visibility</p:attrName>
+                                        </p:attrNameLst>
+                                      </p:cBhvr>
+                                      <p:to>
+                                        <p:strVal val="visible"/>
+                                      </p:to>
+                                    </p:set>
+                                    <p:animEffect transition="in" filter="fade">
+                                      <p:cBhvr>
+                                        <p:cTn id="7" dur="500"/>
+                                        <p:tgtEl>
+                                          <p:spTgt spid="26"/>
+                                        </p:tgtEl>
+                                      </p:cBhvr>
+                                    </p:animEffect>
+                                  </p:childTnLst>
+                                </p:cTn>
+                              </p:par>
+                            </p:childTnLst>
+                          </p:cTn>
+                        </p:par>
+                      </p:childTnLst>
+                    </p:cTn>
+                  </p:par>
+                  <p:par>
+                    <p:cTn id="8" fill="hold">
+                      <p:stCondLst>
+                        <p:cond delay="indefinite"/>
+                      </p:stCondLst>
+                      <p:childTnLst>
+                        <p:par>
+                          <p:cTn id="9" fill="hold">
+                            <p:stCondLst>
+                              <p:cond delay="0"/>
+                            </p:stCondLst>
+                            <p:childTnLst>
+                              <p:par>
+                                <p:cTn id="10" presetID="10" presetClass="entr" presetSubtype="0" fill="hold" nodeType="clickEffect">
+                                  <p:stCondLst>
+                                    <p:cond delay="0"/>
+                                  </p:stCondLst>
+                                  <p:childTnLst>
+                                    <p:set>
+                                      <p:cBhvr>
+                                        <p:cTn id="11" dur="1" fill="hold">
+                                          <p:stCondLst>
+                                            <p:cond delay="0"/>
+                                          </p:stCondLst>
+                                        </p:cTn>
+                                        <p:tgtEl>
+                                          <p:spTgt spid="27"/>
+                                        </p:tgtEl>
+                                        <p:attrNameLst>
+                                          <p:attrName>style.visibility</p:attrName>
+                                        </p:attrNameLst>
+                                      </p:cBhvr>
+                                      <p:to>
+                                        <p:strVal val="visible"/>
+                                      </p:to>
+                                    </p:set>
+                                    <p:animEffect transition="in" filter="fade">
+                                      <p:cBhvr>
+                                        <p:cTn id="12" dur="500"/>
+                                        <p:tgtEl>
+                                          <p:spTgt spid="27"/>
+                                        </p:tgtEl>
+                                      </p:cBhvr>
+                                    </p:animEffect>
+                                  </p:childTnLst>
+                                </p:cTn>
+                              </p:par>
+                            </p:childTnLst>
+                          </p:cTn>
+                        </p:par>
+                      </p:childTnLst>
+                    </p:cTn>
+                  </p:par>
+                  <p:par>
+                    <p:cTn id="13" fill="hold">
+                      <p:stCondLst>
+                        <p:cond delay="indefinite"/>
+                      </p:stCondLst>
+                      <p:childTnLst>
+                        <p:par>
+                          <p:cTn id="14" fill="hold">
+                            <p:stCondLst>
+                              <p:cond delay="0"/>
+                            </p:stCondLst>
+                            <p:childTnLst>
+                              <p:par>
+                                <p:cTn id="15" presetID="10" presetClass="entr" presetSubtype="0" fill="hold" nodeType="clickEffect">
+                                  <p:stCondLst>
+                                    <p:cond delay="0"/>
+                                  </p:stCondLst>
+                                  <p:childTnLst>
+                                    <p:set>
+                                      <p:cBhvr>
+                                        <p:cTn id="16" dur="1" fill="hold">
+                                          <p:stCondLst>
+                                            <p:cond delay="0"/>
+                                          </p:stCondLst>
+                                        </p:cTn>
+                                        <p:tgtEl>
+                                          <p:spTgt spid="31"/>
+                                        </p:tgtEl>
+                                        <p:attrNameLst>
+                                          <p:attrName>style.visibility</p:attrName>
+                                        </p:attrNameLst>
+                                      </p:cBhvr>
+                                      <p:to>
+                                        <p:strVal val="visible"/>
+                                      </p:to>
+                                    </p:set>
+                                    <p:animEffect transition="in" filter="fade">
+                                      <p:cBhvr>
+                                        <p:cTn id="17" dur="500"/>
+                                        <p:tgtEl>
+                                          <p:spTgt spid="31"/>
+                                        </p:tgtEl>
+                                      </p:cBhvr>
+                                    </p:animEffect>
+                                  </p:childTnLst>
+                                </p:cTn>
+                              </p:par>
+                            </p:childTnLst>
+                          </p:cTn>
+                        </p:par>
+                      </p:childTnLst>
+                    </p:cTn>
+                  </p:par>
+                </p:childTnLst>
+              </p:cTn>
+              <p:prevCondLst>
+                <p:cond evt="onPrev" delay="0">
+                  <p:tgtEl>
+                    <p:sldTgt/>
+                  </p:tgtEl>
+                </p:cond>
+              </p:prevCondLst>
+              <p:nextCondLst>
+                <p:cond evt="onNext" delay="0">
+                  <p:tgtEl>
+                    <p:sldTgt/>
+                  </p:tgtEl>
+                </p:cond>
+              </p:nextCondLst>
+            </p:seq>
+          </p:childTnLst>
+        </p:cTn>
+      </p:par>
+    </p:tnLst>
+  </p:timing>
+</p:sld>
+</file>
+
+<file path=ppt/slides/slide8.xml><?xml version="1.0" encoding="utf-8"?>
+<p:sld xmlns:a="http://schemas.openxmlformats.org/drawingml/2006/main" xmlns:r="http://schemas.openxmlformats.org/officeDocument/2006/relationships" xmlns:p="http://schemas.openxmlformats.org/presentationml/2006/main">
+  <p:cSld>
+    <p:spTree>
+      <p:nvGrpSpPr>
+        <p:cNvPr id="1" name=""/>
+        <p:cNvGrpSpPr/>
+        <p:nvPr/>
+      </p:nvGrpSpPr>
+      <p:grpSpPr>
+        <a:xfrm>
+          <a:off x="0" y="0"/>
+          <a:ext cx="0" cy="0"/>
+          <a:chOff x="0" y="0"/>
+          <a:chExt cx="0" cy="0"/>
+        </a:xfrm>
+      </p:grpSpPr>
+      <p:sp>
+        <p:nvSpPr>
+          <p:cNvPr id="2" name="タイトル 1"/>
+          <p:cNvSpPr>
+            <a:spLocks noGrp="1"/>
+          </p:cNvSpPr>
+          <p:nvPr>
+            <p:ph type="title"/>
+          </p:nvPr>
+        </p:nvSpPr>
+        <p:spPr/>
+        <p:txBody>
+          <a:bodyPr>
+            <a:normAutofit/>
+          </a:bodyPr>
+          <a:lstStyle/>
+          <a:p>
+            <a:r>
+              <a:rPr lang="ja-JP" altLang="en-US" smtClean="0"/>
+              <a:t>モアコ　＝　</a:t>
+            </a:r>
+            <a:r>
+              <a:rPr lang="en-US" altLang="ja-JP" smtClean="0"/>
+              <a:t>More Communication</a:t>
+            </a:r>
+            <a:endParaRPr kumimoji="1" lang="ja-JP" altLang="en-US"/>
+          </a:p>
+        </p:txBody>
+      </p:sp>
+      <p:pic>
+        <p:nvPicPr>
+          <p:cNvPr id="7" name="Picture 2" descr="C:\Users\umbal\AppData\Local\Microsoft\Windows\INetCache\IE\QYM22M0J\phones[1].jpg"/>
+          <p:cNvPicPr>
+            <a:picLocks noChangeAspect="1" noChangeArrowheads="1"/>
+          </p:cNvPicPr>
+          <p:nvPr/>
+        </p:nvPicPr>
+        <p:blipFill>
+          <a:blip r:embed="rId2">
+            <a:extLst>
+              <a:ext uri="{28A0092B-C50C-407E-A947-70E740481C1C}">
+                <a14:useLocalDpi xmlns:a14="http://schemas.microsoft.com/office/drawing/2010/main" val="0"/>
+              </a:ext>
+            </a:extLst>
+          </a:blip>
+          <a:srcRect/>
+          <a:stretch>
+            <a:fillRect/>
+          </a:stretch>
+        </p:blipFill>
+        <p:spPr bwMode="auto">
+          <a:xfrm>
+            <a:off x="1920741" y="1422357"/>
+            <a:ext cx="5373216" cy="3890606"/>
+          </a:xfrm>
+          <a:prstGeom prst="rect">
+            <a:avLst/>
+          </a:prstGeom>
+          <a:noFill/>
+          <a:extLst>
+            <a:ext uri="{909E8E84-426E-40DD-AFC4-6F175D3DCCD1}">
+              <a14:hiddenFill xmlns:a14="http://schemas.microsoft.com/office/drawing/2010/main">
+                <a:solidFill>
+                  <a:srgbClr val="FFFFFF"/>
+                </a:solidFill>
+              </a14:hiddenFill>
+            </a:ext>
+          </a:extLst>
+        </p:spPr>
+      </p:pic>
+      <p:sp>
+        <p:nvSpPr>
+          <p:cNvPr id="8" name="テキスト ボックス 7"/>
+          <p:cNvSpPr txBox="1"/>
+          <p:nvPr/>
+        </p:nvSpPr>
+        <p:spPr>
+          <a:xfrm>
+            <a:off x="2002405" y="5466005"/>
+            <a:ext cx="5438476" cy="646331"/>
+          </a:xfrm>
+          <a:prstGeom prst="rect">
+            <a:avLst/>
+          </a:prstGeom>
+          <a:noFill/>
+        </p:spPr>
+        <p:txBody>
+          <a:bodyPr wrap="none" rtlCol="0">
+            <a:spAutoFit/>
+          </a:bodyPr>
+          <a:lstStyle/>
+          <a:p>
+            <a:r>
+              <a:rPr kumimoji="1" lang="en-US" altLang="ja-JP" smtClean="0"/>
+              <a:t>Don’t let the smartphones </a:t>
+            </a:r>
+            <a:r>
+              <a:rPr kumimoji="1" lang="en-US" altLang="ja-JP" smtClean="0"/>
+              <a:t>do </a:t>
+            </a:r>
+            <a:r>
+              <a:rPr kumimoji="1" lang="en-US" altLang="ja-JP" smtClean="0"/>
+              <a:t>conversations for you.</a:t>
+            </a:r>
+          </a:p>
+          <a:p>
+            <a:r>
+              <a:rPr lang="en-US" altLang="ja-JP" smtClean="0"/>
+              <a:t>Let them just </a:t>
+            </a:r>
+            <a:r>
+              <a:rPr lang="en-US" altLang="ja-JP" smtClean="0"/>
+              <a:t>help YOU MAKE </a:t>
+            </a:r>
+            <a:r>
+              <a:rPr lang="en-US" altLang="ja-JP" smtClean="0"/>
+              <a:t>MORE COMMUNICATION.</a:t>
+            </a:r>
             <a:endParaRPr kumimoji="1" lang="ja-JP" altLang="en-US"/>
           </a:p>
         </p:txBody>
@@ -4093,7 +8036,7 @@
     </p:spTree>
     <p:extLst>
       <p:ext uri="{BB962C8B-B14F-4D97-AF65-F5344CB8AC3E}">
-        <p14:creationId xmlns:p14="http://schemas.microsoft.com/office/powerpoint/2010/main" val="2574660564"/>
+        <p14:creationId xmlns:p14="http://schemas.microsoft.com/office/powerpoint/2010/main" val="951978413"/>
       </p:ext>
     </p:extLst>
   </p:cSld>

--- a/05.Other/Document/モレ子プロジェクト.pptx
+++ b/05.Other/Document/モレ子プロジェクト.pptx
@@ -3609,11 +3609,7 @@
             <a:pPr lvl="1"/>
             <a:r>
               <a:rPr lang="ja-JP" altLang="en-US"/>
-              <a:t>モア子の</a:t>
-            </a:r>
-            <a:r>
-              <a:rPr lang="ja-JP" altLang="en-US"/>
-              <a:t>実現</a:t>
+              <a:t>モア子の実現</a:t>
             </a:r>
             <a:r>
               <a:rPr lang="ja-JP" altLang="en-US" smtClean="0"/>
@@ -4096,7 +4092,7 @@
         </p:blipFill>
         <p:spPr bwMode="auto">
           <a:xfrm>
-            <a:off x="2108518" y="1409146"/>
+            <a:off x="2108518" y="1702431"/>
             <a:ext cx="1750060" cy="2476500"/>
           </a:xfrm>
           <a:prstGeom prst="rect">
@@ -4116,10 +4112,10 @@
         </p:nvGrpSpPr>
         <p:grpSpPr>
           <a:xfrm>
-            <a:off x="390208" y="1480435"/>
-            <a:ext cx="8216900" cy="1972141"/>
-            <a:chOff x="390208" y="1480435"/>
-            <a:chExt cx="8216900" cy="1972141"/>
+            <a:off x="390208" y="1702431"/>
+            <a:ext cx="8216900" cy="2043430"/>
+            <a:chOff x="390208" y="1409146"/>
+            <a:chExt cx="8216900" cy="2043430"/>
           </a:xfrm>
         </p:grpSpPr>
         <p:sp>
@@ -4202,8 +4198,8 @@
           </p:nvSpPr>
           <p:spPr>
             <a:xfrm>
-              <a:off x="4789541" y="1480435"/>
-              <a:ext cx="2014707" cy="852636"/>
+              <a:off x="4789541" y="1409146"/>
+              <a:ext cx="2075127" cy="923925"/>
             </a:xfrm>
             <a:prstGeom prst="flowChartMagneticDisk">
               <a:avLst/>
@@ -4283,7 +4279,7 @@
                 </a:spcAft>
               </a:pPr>
               <a:r>
-                <a:rPr lang="en-US" altLang="ja-JP" sz="1100" smtClean="0">
+                <a:rPr lang="en-US" altLang="ja-JP" sz="1100" b="1" smtClean="0">
                   <a:solidFill>
                     <a:srgbClr val="000000"/>
                   </a:solidFill>
@@ -4293,7 +4289,7 @@
                 <a:t>ApsaraDB</a:t>
               </a:r>
               <a:r>
-                <a:rPr lang="ja-JP" altLang="en-US" sz="1100" smtClean="0">
+                <a:rPr lang="ja-JP" altLang="en-US" sz="1100" b="1" smtClean="0">
                   <a:solidFill>
                     <a:srgbClr val="000000"/>
                   </a:solidFill>
@@ -4303,7 +4299,7 @@
                 <a:t> </a:t>
               </a:r>
               <a:r>
-                <a:rPr lang="en-US" altLang="ja-JP" sz="1100" smtClean="0">
+                <a:rPr lang="en-US" altLang="ja-JP" sz="1100" b="1" smtClean="0">
                   <a:solidFill>
                     <a:srgbClr val="000000"/>
                   </a:solidFill>
@@ -4311,6 +4307,24 @@
                   <a:cs typeface="Times New Roman"/>
                 </a:rPr>
                 <a:t>RDS</a:t>
+              </a:r>
+            </a:p>
+            <a:p>
+              <a:pPr indent="139700" algn="ctr">
+                <a:spcAft>
+                  <a:spcPts val="0"/>
+                </a:spcAft>
+              </a:pPr>
+              <a:r>
+                <a:rPr lang="en-US" altLang="ja-JP" sz="1100">
+                  <a:solidFill>
+                    <a:srgbClr val="000000"/>
+                  </a:solidFill>
+                  <a:effectLst/>
+                  <a:ea typeface="ＭＳ 明朝"/>
+                  <a:cs typeface="Times New Roman"/>
+                </a:rPr>
+                <a:t>PostgreSQL</a:t>
               </a:r>
               <a:endParaRPr lang="ja-JP" sz="1100">
                 <a:effectLst/>
@@ -4407,7 +4421,7 @@
                 </a:spcAft>
               </a:pPr>
               <a:r>
-                <a:rPr lang="en-US" sz="1100" smtClean="0">
+                <a:rPr lang="en-US" sz="1100" b="1" smtClean="0">
                   <a:solidFill>
                     <a:srgbClr val="000000"/>
                   </a:solidFill>
@@ -4418,6 +4432,32 @@
                 </a:rPr>
                 <a:t>ECS</a:t>
               </a:r>
+            </a:p>
+            <a:p>
+              <a:pPr indent="139700" algn="ctr">
+                <a:spcAft>
+                  <a:spcPts val="0"/>
+                </a:spcAft>
+              </a:pPr>
+              <a:r>
+                <a:rPr lang="en-US" altLang="ja-JP" sz="1100" smtClean="0">
+                  <a:solidFill>
+                    <a:srgbClr val="000000"/>
+                  </a:solidFill>
+                  <a:latin typeface="Times New Roman"/>
+                  <a:ea typeface="ＭＳ 明朝"/>
+                  <a:cs typeface="Times New Roman"/>
+                </a:rPr>
+                <a:t>Apache, PHP</a:t>
+              </a:r>
+              <a:endParaRPr lang="en-US" sz="1100">
+                <a:solidFill>
+                  <a:srgbClr val="000000"/>
+                </a:solidFill>
+                <a:latin typeface="Times New Roman"/>
+                <a:ea typeface="ＭＳ 明朝"/>
+                <a:cs typeface="Times New Roman"/>
+              </a:endParaRPr>
             </a:p>
           </p:txBody>
         </p:sp>
@@ -4975,7 +5015,7 @@
           </p:nvSpPr>
           <p:spPr>
             <a:xfrm>
-              <a:off x="6685598" y="2759791"/>
+              <a:off x="6732270" y="2886155"/>
               <a:ext cx="1282700" cy="381635"/>
             </a:xfrm>
             <a:prstGeom prst="rect">
@@ -5118,7 +5158,7 @@
           </p:blipFill>
           <p:spPr bwMode="auto">
             <a:xfrm>
-              <a:off x="5076056" y="2850595"/>
+              <a:off x="4987136" y="2850595"/>
               <a:ext cx="438150" cy="428625"/>
             </a:xfrm>
             <a:prstGeom prst="rect">
@@ -5172,7 +5212,7 @@
           </p:blipFill>
           <p:spPr bwMode="auto">
             <a:xfrm>
-              <a:off x="5048250" y="1806102"/>
+              <a:off x="4996661" y="1806102"/>
               <a:ext cx="419100" cy="371475"/>
             </a:xfrm>
             <a:prstGeom prst="rect">
@@ -5212,7 +5252,7 @@
         </p:nvSpPr>
         <p:spPr>
           <a:xfrm>
-            <a:off x="542089" y="3860474"/>
+            <a:off x="542089" y="4179257"/>
             <a:ext cx="1223412" cy="369332"/>
           </a:xfrm>
           <a:prstGeom prst="rect">
@@ -5242,7 +5282,7 @@
         </p:nvSpPr>
         <p:spPr>
           <a:xfrm>
-            <a:off x="2240186" y="3860148"/>
+            <a:off x="2240186" y="4178931"/>
             <a:ext cx="1618392" cy="1200329"/>
           </a:xfrm>
           <a:prstGeom prst="rect">
@@ -5304,7 +5344,7 @@
         </p:nvSpPr>
         <p:spPr>
           <a:xfrm>
-            <a:off x="4987136" y="3925498"/>
+            <a:off x="4987136" y="4244281"/>
             <a:ext cx="2650084" cy="646331"/>
           </a:xfrm>
           <a:prstGeom prst="rect">
@@ -5879,11 +5919,7 @@
             </a:br>
             <a:r>
               <a:rPr lang="ja-JP" altLang="en-US"/>
-              <a:t>表示し周りの人に</a:t>
-            </a:r>
-            <a:r>
-              <a:rPr lang="ja-JP" altLang="en-US"/>
-              <a:t>発信</a:t>
+              <a:t>表示し周りの人に発信</a:t>
             </a:r>
             <a:r>
               <a:rPr lang="ja-JP" altLang="en-US" smtClean="0"/>
@@ -5902,11 +5938,7 @@
             <a:pPr lvl="1"/>
             <a:r>
               <a:rPr lang="ja-JP" altLang="en-US"/>
-              <a:t>今まで周りに発信する</a:t>
-            </a:r>
-            <a:r>
-              <a:rPr lang="ja-JP" altLang="en-US"/>
-              <a:t>わけ</a:t>
+              <a:t>今まで周りに発信するわけ</a:t>
             </a:r>
             <a:r>
               <a:rPr lang="ja-JP" altLang="en-US" smtClean="0"/>
@@ -5925,11 +5957,7 @@
             </a:r>
             <a:r>
               <a:rPr lang="ja-JP" altLang="en-US"/>
-              <a:t>ことでも、発信できる</a:t>
-            </a:r>
-            <a:r>
-              <a:rPr lang="ja-JP" altLang="en-US"/>
-              <a:t>よう</a:t>
+              <a:t>ことでも、発信できるよう</a:t>
             </a:r>
             <a:r>
               <a:rPr lang="ja-JP" altLang="en-US" smtClean="0"/>
@@ -5955,11 +5983,7 @@
             <a:pPr lvl="1"/>
             <a:r>
               <a:rPr lang="ja-JP" altLang="en-US"/>
-              <a:t>ムード共有</a:t>
-            </a:r>
-            <a:r>
-              <a:rPr lang="ja-JP" altLang="en-US"/>
-              <a:t>は</a:t>
+              <a:t>ムード共有は</a:t>
             </a:r>
             <a:r>
               <a:rPr lang="ja-JP" altLang="en-US" smtClean="0"/>
@@ -5978,11 +6002,7 @@
             </a:r>
             <a:r>
               <a:rPr lang="ja-JP" altLang="en-US"/>
-              <a:t>では</a:t>
-            </a:r>
-            <a:r>
-              <a:rPr lang="ja-JP" altLang="en-US"/>
-              <a:t>ない</a:t>
+              <a:t>ではない</a:t>
             </a:r>
             <a:r>
               <a:rPr lang="ja-JP" altLang="en-US" smtClean="0"/>
@@ -8005,29 +8025,13 @@
           <a:p>
             <a:r>
               <a:rPr kumimoji="1" lang="en-US" altLang="ja-JP" smtClean="0"/>
-              <a:t>Don’t let the smartphones </a:t>
-            </a:r>
-            <a:r>
-              <a:rPr kumimoji="1" lang="en-US" altLang="ja-JP" smtClean="0"/>
-              <a:t>do </a:t>
-            </a:r>
-            <a:r>
-              <a:rPr kumimoji="1" lang="en-US" altLang="ja-JP" smtClean="0"/>
-              <a:t>conversations for you.</a:t>
+              <a:t>Don’t let the smartphones do conversations for you.</a:t>
             </a:r>
           </a:p>
           <a:p>
             <a:r>
               <a:rPr lang="en-US" altLang="ja-JP" smtClean="0"/>
-              <a:t>Let them just </a:t>
-            </a:r>
-            <a:r>
-              <a:rPr lang="en-US" altLang="ja-JP" smtClean="0"/>
-              <a:t>help YOU MAKE </a:t>
-            </a:r>
-            <a:r>
-              <a:rPr lang="en-US" altLang="ja-JP" smtClean="0"/>
-              <a:t>MORE COMMUNICATION.</a:t>
+              <a:t>Let them just help YOU MAKE MORE COMMUNICATION.</a:t>
             </a:r>
             <a:endParaRPr kumimoji="1" lang="ja-JP" altLang="en-US"/>
           </a:p>
